--- a/adv_new/Module 10 - Python ContainersEncapsulation Packaging Python Code for Portable Execution.pptx
+++ b/adv_new/Module 10 - Python ContainersEncapsulation Packaging Python Code for Portable Execution.pptx
@@ -492,7 +492,7 @@
           <a:p>
             <a:fld id="{81043921-7569-41A3-B947-8944ED878C50}" type="datetimeFigureOut">
               <a:rPr lang="he-IL" smtClean="0"/>
-              <a:t>י"ג/תמוז/תשפ"ג</a:t>
+              <a:t>כ'/תמוז/תשפ"ג</a:t>
             </a:fld>
             <a:endParaRPr lang="he-IL"/>
           </a:p>
@@ -2373,7 +2373,7 @@
           <a:p>
             <a:fld id="{A9D9B7D1-305C-49A9-9D59-000E5D30F1FD}" type="datetimeFigureOut">
               <a:rPr lang="he-IL" smtClean="0"/>
-              <a:t>י"ג/תמוז/תשפ"ג</a:t>
+              <a:t>כ'/תמוז/תשפ"ג</a:t>
             </a:fld>
             <a:endParaRPr lang="he-IL"/>
           </a:p>
@@ -2573,7 +2573,7 @@
           <a:p>
             <a:fld id="{A9D9B7D1-305C-49A9-9D59-000E5D30F1FD}" type="datetimeFigureOut">
               <a:rPr lang="he-IL" smtClean="0"/>
-              <a:t>י"ג/תמוז/תשפ"ג</a:t>
+              <a:t>כ'/תמוז/תשפ"ג</a:t>
             </a:fld>
             <a:endParaRPr lang="he-IL"/>
           </a:p>
@@ -2783,7 +2783,7 @@
           <a:p>
             <a:fld id="{A9D9B7D1-305C-49A9-9D59-000E5D30F1FD}" type="datetimeFigureOut">
               <a:rPr lang="he-IL" smtClean="0"/>
-              <a:t>י"ג/תמוז/תשפ"ג</a:t>
+              <a:t>כ'/תמוז/תשפ"ג</a:t>
             </a:fld>
             <a:endParaRPr lang="he-IL"/>
           </a:p>
@@ -3883,7 +3883,7 @@
           <a:p>
             <a:fld id="{A9D9B7D1-305C-49A9-9D59-000E5D30F1FD}" type="datetimeFigureOut">
               <a:rPr lang="he-IL" smtClean="0"/>
-              <a:t>י"ג/תמוז/תשפ"ג</a:t>
+              <a:t>כ'/תמוז/תשפ"ג</a:t>
             </a:fld>
             <a:endParaRPr lang="he-IL"/>
           </a:p>
@@ -4159,7 +4159,7 @@
           <a:p>
             <a:fld id="{A9D9B7D1-305C-49A9-9D59-000E5D30F1FD}" type="datetimeFigureOut">
               <a:rPr lang="he-IL" smtClean="0"/>
-              <a:t>י"ג/תמוז/תשפ"ג</a:t>
+              <a:t>כ'/תמוז/תשפ"ג</a:t>
             </a:fld>
             <a:endParaRPr lang="he-IL"/>
           </a:p>
@@ -4427,7 +4427,7 @@
           <a:p>
             <a:fld id="{A9D9B7D1-305C-49A9-9D59-000E5D30F1FD}" type="datetimeFigureOut">
               <a:rPr lang="he-IL" smtClean="0"/>
-              <a:t>י"ג/תמוז/תשפ"ג</a:t>
+              <a:t>כ'/תמוז/תשפ"ג</a:t>
             </a:fld>
             <a:endParaRPr lang="he-IL"/>
           </a:p>
@@ -4842,7 +4842,7 @@
           <a:p>
             <a:fld id="{A9D9B7D1-305C-49A9-9D59-000E5D30F1FD}" type="datetimeFigureOut">
               <a:rPr lang="he-IL" smtClean="0"/>
-              <a:t>י"ג/תמוז/תשפ"ג</a:t>
+              <a:t>כ'/תמוז/תשפ"ג</a:t>
             </a:fld>
             <a:endParaRPr lang="he-IL"/>
           </a:p>
@@ -4984,7 +4984,7 @@
           <a:p>
             <a:fld id="{A9D9B7D1-305C-49A9-9D59-000E5D30F1FD}" type="datetimeFigureOut">
               <a:rPr lang="he-IL" smtClean="0"/>
-              <a:t>י"ג/תמוז/תשפ"ג</a:t>
+              <a:t>כ'/תמוז/תשפ"ג</a:t>
             </a:fld>
             <a:endParaRPr lang="he-IL"/>
           </a:p>
@@ -5097,7 +5097,7 @@
           <a:p>
             <a:fld id="{A9D9B7D1-305C-49A9-9D59-000E5D30F1FD}" type="datetimeFigureOut">
               <a:rPr lang="he-IL" smtClean="0"/>
-              <a:t>י"ג/תמוז/תשפ"ג</a:t>
+              <a:t>כ'/תמוז/תשפ"ג</a:t>
             </a:fld>
             <a:endParaRPr lang="he-IL"/>
           </a:p>
@@ -5410,7 +5410,7 @@
           <a:p>
             <a:fld id="{A9D9B7D1-305C-49A9-9D59-000E5D30F1FD}" type="datetimeFigureOut">
               <a:rPr lang="he-IL" smtClean="0"/>
-              <a:t>י"ג/תמוז/תשפ"ג</a:t>
+              <a:t>כ'/תמוז/תשפ"ג</a:t>
             </a:fld>
             <a:endParaRPr lang="he-IL"/>
           </a:p>
@@ -5699,7 +5699,7 @@
           <a:p>
             <a:fld id="{A9D9B7D1-305C-49A9-9D59-000E5D30F1FD}" type="datetimeFigureOut">
               <a:rPr lang="he-IL" smtClean="0"/>
-              <a:t>י"ג/תמוז/תשפ"ג</a:t>
+              <a:t>כ'/תמוז/תשפ"ג</a:t>
             </a:fld>
             <a:endParaRPr lang="he-IL"/>
           </a:p>
@@ -5942,7 +5942,7 @@
           <a:p>
             <a:fld id="{A9D9B7D1-305C-49A9-9D59-000E5D30F1FD}" type="datetimeFigureOut">
               <a:rPr lang="he-IL" smtClean="0"/>
-              <a:t>י"ג/תמוז/תשפ"ג</a:t>
+              <a:t>כ'/תמוז/תשפ"ג</a:t>
             </a:fld>
             <a:endParaRPr lang="he-IL"/>
           </a:p>
@@ -7500,6 +7500,53 @@
           </a:p>
         </p:txBody>
       </p:sp>
+      <p:pic>
+        <p:nvPicPr>
+          <p:cNvPr id="1026" name="Picture 2" descr="Python Code Protection – An Engineer's Trash Can">
+            <a:extLst>
+              <a:ext uri="{FF2B5EF4-FFF2-40B4-BE49-F238E27FC236}">
+                <a16:creationId xmlns:a16="http://schemas.microsoft.com/office/drawing/2014/main" id="{2FDAA44F-95D5-4AEF-831F-9C007A70814F}"/>
+              </a:ext>
+            </a:extLst>
+          </p:cNvPr>
+          <p:cNvPicPr>
+            <a:picLocks noChangeAspect="1" noChangeArrowheads="1"/>
+          </p:cNvPicPr>
+          <p:nvPr/>
+        </p:nvPicPr>
+        <p:blipFill>
+          <a:blip r:embed="rId2">
+            <a:extLst>
+              <a:ext uri="{28A0092B-C50C-407E-A947-70E740481C1C}">
+                <a14:useLocalDpi xmlns:a14="http://schemas.microsoft.com/office/drawing/2010/main" val="0"/>
+              </a:ext>
+            </a:extLst>
+          </a:blip>
+          <a:srcRect/>
+          <a:stretch>
+            <a:fillRect/>
+          </a:stretch>
+        </p:blipFill>
+        <p:spPr bwMode="auto">
+          <a:xfrm>
+            <a:off x="545324" y="3965406"/>
+            <a:ext cx="10801350" cy="2371725"/>
+          </a:xfrm>
+          <a:prstGeom prst="rect">
+            <a:avLst/>
+          </a:prstGeom>
+          <a:noFill/>
+          <a:extLst>
+            <a:ext uri="{909E8E84-426E-40DD-AFC4-6F175D3DCCD1}">
+              <a14:hiddenFill xmlns:a14="http://schemas.microsoft.com/office/drawing/2010/main">
+                <a:solidFill>
+                  <a:srgbClr val="FFFFFF"/>
+                </a:solidFill>
+              </a14:hiddenFill>
+            </a:ext>
+          </a:extLst>
+        </p:spPr>
+      </p:pic>
     </p:spTree>
     <p:extLst>
       <p:ext uri="{BB962C8B-B14F-4D97-AF65-F5344CB8AC3E}">

--- a/adv_new/Module 10 - Python ContainersEncapsulation Packaging Python Code for Portable Execution.pptx
+++ b/adv_new/Module 10 - Python ContainersEncapsulation Packaging Python Code for Portable Execution.pptx
@@ -8,7 +8,7 @@
     <p:notesMasterId r:id="rId14"/>
   </p:notesMasterIdLst>
   <p:sldIdLst>
-    <p:sldId id="321" r:id="rId2"/>
+    <p:sldId id="336" r:id="rId2"/>
     <p:sldId id="258" r:id="rId3"/>
     <p:sldId id="264" r:id="rId4"/>
     <p:sldId id="322" r:id="rId5"/>
@@ -761,11 +761,11 @@
 </file>
 
 <file path=ppt/notesSlides/notesSlide1.xml><?xml version="1.0" encoding="utf-8"?>
-<p:notes xmlns:a="http://schemas.openxmlformats.org/drawingml/2006/main" xmlns:r="http://schemas.openxmlformats.org/officeDocument/2006/relationships" xmlns:p="http://schemas.openxmlformats.org/presentationml/2006/main">
+<p:notes xmlns:a="http://schemas.openxmlformats.org/drawingml/2006/main" xmlns:r="http://schemas.openxmlformats.org/officeDocument/2006/relationships" xmlns:p="http://schemas.openxmlformats.org/presentationml/2006/main" showMasterSp="0" showMasterPhAnim="0">
   <p:cSld>
     <p:spTree>
       <p:nvGrpSpPr>
-        <p:cNvPr id="1" name=""/>
+        <p:cNvPr id="1" name="Shape 158"/>
         <p:cNvGrpSpPr/>
         <p:nvPr/>
       </p:nvGrpSpPr>
@@ -779,207 +779,84 @@
       </p:grpSpPr>
       <p:sp>
         <p:nvSpPr>
-          <p:cNvPr id="2" name="Slide Image Placeholder 1"/>
+          <p:cNvPr id="159" name="Google Shape;159;p3:notes"/>
+          <p:cNvSpPr txBox="1">
+            <a:spLocks noGrp="1"/>
+          </p:cNvSpPr>
+          <p:nvPr>
+            <p:ph type="body" idx="1"/>
+          </p:nvPr>
+        </p:nvSpPr>
+        <p:spPr>
+          <a:xfrm>
+            <a:off x="685800" y="4400550"/>
+            <a:ext cx="5486400" cy="3600450"/>
+          </a:xfrm>
+          <a:prstGeom prst="rect">
+            <a:avLst/>
+          </a:prstGeom>
+        </p:spPr>
+        <p:txBody>
+          <a:bodyPr spcFirstLastPara="1" wrap="square" lIns="91425" tIns="45700" rIns="91425" bIns="45700" anchor="t" anchorCtr="0">
+            <a:noAutofit/>
+          </a:bodyPr>
+          <a:lstStyle/>
+          <a:p>
+            <a:pPr marL="0" lvl="0" indent="0" algn="l" rtl="0">
+              <a:spcBef>
+                <a:spcPts val="0"/>
+              </a:spcBef>
+              <a:spcAft>
+                <a:spcPts val="0"/>
+              </a:spcAft>
+              <a:buNone/>
+            </a:pPr>
+            <a:endParaRPr/>
+          </a:p>
+        </p:txBody>
+      </p:sp>
+      <p:sp>
+        <p:nvSpPr>
+          <p:cNvPr id="160" name="Google Shape;160;p3:notes"/>
           <p:cNvSpPr>
             <a:spLocks noGrp="1" noRot="1" noChangeAspect="1"/>
           </p:cNvSpPr>
           <p:nvPr>
-            <p:ph type="sldImg"/>
-          </p:nvPr>
-        </p:nvSpPr>
-        <p:spPr/>
-      </p:sp>
-      <p:sp>
-        <p:nvSpPr>
-          <p:cNvPr id="3" name="Notes Placeholder 2"/>
-          <p:cNvSpPr>
-            <a:spLocks noGrp="1"/>
-          </p:cNvSpPr>
-          <p:nvPr>
-            <p:ph type="body" idx="1"/>
-          </p:nvPr>
-        </p:nvSpPr>
-        <p:spPr/>
-        <p:txBody>
-          <a:bodyPr/>
-          <a:lstStyle/>
-          <a:p>
-            <a:r>
-              <a:rPr lang="en-US" dirty="0"/>
-              <a:t>Python is dynamically-typed and garbage-collected. It supports multiple programming paradigms, including structured (particularly, procedural), object-oriented and functional programming.</a:t>
-            </a:r>
-          </a:p>
-          <a:p>
-            <a:endParaRPr lang="en-US" sz="1200" dirty="0">
-              <a:cs typeface="Calibri"/>
-            </a:endParaRPr>
-          </a:p>
-          <a:p>
-            <a:r>
-              <a:rPr lang="en-US" dirty="0">
-                <a:cs typeface="Calibri"/>
-              </a:rPr>
-              <a:t>It was built to be as readable as possible, and is </a:t>
-            </a:r>
-            <a:r>
-              <a:rPr lang="en-US" dirty="0"/>
-              <a:t>significant indentation driven (Off-side rule).</a:t>
-            </a:r>
-            <a:endParaRPr lang="en-US" dirty="0">
-              <a:cs typeface="Calibri"/>
-            </a:endParaRPr>
-          </a:p>
-          <a:p>
-            <a:pPr algn="l" rtl="0" eaLnBrk="1" hangingPunct="1"/>
-            <a:endParaRPr lang="en-US"/>
-          </a:p>
-          <a:p>
-            <a:r>
-              <a:rPr lang="en-US" dirty="0"/>
-              <a:t>The language's core philosophy is summarized in the document </a:t>
-            </a:r>
-            <a:r>
-              <a:rPr lang="en-US" i="1" dirty="0"/>
-              <a:t>The Zen of Python</a:t>
-            </a:r>
-            <a:r>
-              <a:rPr lang="en-US" dirty="0"/>
-              <a:t> (</a:t>
-            </a:r>
-            <a:r>
-              <a:rPr lang="en-US" i="1" dirty="0"/>
-              <a:t>PEP 20</a:t>
-            </a:r>
-            <a:r>
-              <a:rPr lang="en-US" dirty="0"/>
-              <a:t>), which includes aphorisms such as:</a:t>
-            </a:r>
-            <a:endParaRPr lang="en-US" dirty="0">
-              <a:cs typeface="Calibri"/>
-            </a:endParaRPr>
-          </a:p>
-          <a:p>
-            <a:pPr marL="285750" indent="-285750">
-              <a:buFont typeface="Arial"/>
-              <a:buChar char="•"/>
-            </a:pPr>
-            <a:r>
-              <a:rPr lang="en-US" dirty="0"/>
-              <a:t>Beautiful is better than ugly.</a:t>
-            </a:r>
-            <a:endParaRPr lang="en-US" dirty="0">
-              <a:cs typeface="Calibri"/>
-            </a:endParaRPr>
-          </a:p>
-          <a:p>
-            <a:pPr marL="285750" indent="-285750">
-              <a:buFont typeface="Arial"/>
-              <a:buChar char="•"/>
-            </a:pPr>
-            <a:r>
-              <a:rPr lang="en-US" dirty="0"/>
-              <a:t>Explicit is better than implicit.</a:t>
-            </a:r>
-            <a:endParaRPr lang="en-US" dirty="0">
-              <a:cs typeface="Calibri"/>
-            </a:endParaRPr>
-          </a:p>
-          <a:p>
-            <a:pPr marL="285750" indent="-285750">
-              <a:buFont typeface="Arial"/>
-              <a:buChar char="•"/>
-            </a:pPr>
-            <a:r>
-              <a:rPr lang="en-US" dirty="0"/>
-              <a:t>Simple is better than complex.</a:t>
-            </a:r>
-            <a:endParaRPr lang="en-US" dirty="0">
-              <a:cs typeface="Calibri"/>
-            </a:endParaRPr>
-          </a:p>
-          <a:p>
-            <a:pPr marL="285750" indent="-285750">
-              <a:buFont typeface="Arial"/>
-              <a:buChar char="•"/>
-            </a:pPr>
-            <a:r>
-              <a:rPr lang="en-US" dirty="0"/>
-              <a:t>Complex is better than complicated.</a:t>
-            </a:r>
-            <a:endParaRPr lang="en-US" dirty="0">
-              <a:cs typeface="Calibri"/>
-            </a:endParaRPr>
-          </a:p>
-          <a:p>
-            <a:pPr marL="285750" indent="-285750">
-              <a:buFont typeface="Arial"/>
-              <a:buChar char="•"/>
-            </a:pPr>
-            <a:r>
-              <a:rPr lang="en-US" dirty="0"/>
-              <a:t>Readability counts.</a:t>
-            </a:r>
-            <a:endParaRPr lang="en-US" dirty="0">
-              <a:cs typeface="Calibri"/>
-            </a:endParaRPr>
-          </a:p>
-          <a:p>
-            <a:pPr algn="l"/>
-            <a:endParaRPr lang="en-US" dirty="0">
-              <a:cs typeface="Calibri"/>
-            </a:endParaRPr>
-          </a:p>
-          <a:p>
-            <a:endParaRPr lang="en-US" u="sng"/>
-          </a:p>
-          <a:p>
-            <a:pPr algn="l" rtl="0" eaLnBrk="1" hangingPunct="1"/>
-            <a:r>
-              <a:rPr lang="en-US" u="sng" dirty="0"/>
-              <a:t>For further reading:</a:t>
-            </a:r>
-          </a:p>
-          <a:p>
-            <a:r>
-              <a:rPr lang="en-US" dirty="0">
-                <a:hlinkClick r:id="rId3"/>
-              </a:rPr>
-              <a:t>Python (programming language) - Wikipedia</a:t>
-            </a:r>
-            <a:endParaRPr lang="en-US"/>
-          </a:p>
-        </p:txBody>
-      </p:sp>
-      <p:sp>
-        <p:nvSpPr>
-          <p:cNvPr id="4" name="Slide Number Placeholder 3"/>
-          <p:cNvSpPr>
-            <a:spLocks noGrp="1"/>
-          </p:cNvSpPr>
-          <p:nvPr>
-            <p:ph type="sldNum" sz="quarter" idx="10"/>
-          </p:nvPr>
-        </p:nvSpPr>
-        <p:spPr/>
-        <p:txBody>
-          <a:bodyPr/>
-          <a:lstStyle/>
-          <a:p>
-            <a:fld id="{C18343ED-3762-4D46-A439-B4D407E13EF8}" type="slidenum">
-              <a:rPr lang="en-US" smtClean="0"/>
-              <a:pPr/>
-              <a:t>3</a:t>
-            </a:fld>
-            <a:endParaRPr lang="en-US"/>
-          </a:p>
-        </p:txBody>
+            <p:ph type="sldImg" idx="2"/>
+          </p:nvPr>
+        </p:nvSpPr>
+        <p:spPr>
+          <a:xfrm>
+            <a:off x="685800" y="1143000"/>
+            <a:ext cx="5486400" cy="3086100"/>
+          </a:xfrm>
+          <a:custGeom>
+            <a:avLst/>
+            <a:gdLst/>
+            <a:ahLst/>
+            <a:cxnLst/>
+            <a:rect l="l" t="t" r="r" b="b"/>
+            <a:pathLst>
+              <a:path w="120000" h="120000" extrusionOk="0">
+                <a:moveTo>
+                  <a:pt x="0" y="0"/>
+                </a:moveTo>
+                <a:lnTo>
+                  <a:pt x="120000" y="0"/>
+                </a:lnTo>
+                <a:lnTo>
+                  <a:pt x="120000" y="120000"/>
+                </a:lnTo>
+                <a:lnTo>
+                  <a:pt x="0" y="120000"/>
+                </a:lnTo>
+                <a:close/>
+              </a:path>
+            </a:pathLst>
+          </a:custGeom>
+        </p:spPr>
       </p:sp>
     </p:spTree>
-    <p:extLst>
-      <p:ext uri="{BB962C8B-B14F-4D97-AF65-F5344CB8AC3E}">
-        <p14:creationId xmlns:p14="http://schemas.microsoft.com/office/powerpoint/2010/main" val="3003253182"/>
-      </p:ext>
-    </p:extLst>
   </p:cSld>
   <p:clrMapOvr>
     <a:masterClrMapping/>
@@ -1195,7 +1072,7 @@
             <a:fld id="{C18343ED-3762-4D46-A439-B4D407E13EF8}" type="slidenum">
               <a:rPr lang="en-US" smtClean="0"/>
               <a:pPr/>
-              <a:t>4</a:t>
+              <a:t>3</a:t>
             </a:fld>
             <a:endParaRPr lang="en-US"/>
           </a:p>
@@ -1204,7 +1081,7 @@
     </p:spTree>
     <p:extLst>
       <p:ext uri="{BB962C8B-B14F-4D97-AF65-F5344CB8AC3E}">
-        <p14:creationId xmlns:p14="http://schemas.microsoft.com/office/powerpoint/2010/main" val="2030585090"/>
+        <p14:creationId xmlns:p14="http://schemas.microsoft.com/office/powerpoint/2010/main" val="3003253182"/>
       </p:ext>
     </p:extLst>
   </p:cSld>
@@ -1259,123 +1136,148 @@
           <a:lstStyle/>
           <a:p>
             <a:r>
+              <a:rPr lang="en-US" dirty="0"/>
+              <a:t>Python is dynamically-typed and garbage-collected. It supports multiple programming paradigms, including structured (particularly, procedural), object-oriented and functional programming.</a:t>
+            </a:r>
+          </a:p>
+          <a:p>
+            <a:endParaRPr lang="en-US" sz="1200" dirty="0">
+              <a:cs typeface="Calibri"/>
+            </a:endParaRPr>
+          </a:p>
+          <a:p>
+            <a:r>
               <a:rPr lang="en-US" dirty="0">
-                <a:solidFill>
-                  <a:srgbClr val="000000"/>
-                </a:solidFill>
-                <a:latin typeface="Tahoma"/>
-                <a:ea typeface="Tahoma"/>
-                <a:cs typeface="Tahoma"/>
-              </a:rPr>
-              <a:t>PyCharm is currently one of the most used IDE for python development, It provides code analysis, a graphical debugger, an integrated unit tester, integration with version control systems (VCSes), and supports web development with Django as well as data science with Anaconda.</a:t>
-            </a:r>
-          </a:p>
-          <a:p>
+                <a:cs typeface="Calibri"/>
+              </a:rPr>
+              <a:t>It was built to be as readable as possible, and is </a:t>
+            </a:r>
+            <a:r>
+              <a:rPr lang="en-US" dirty="0"/>
+              <a:t>significant indentation driven (Off-side rule).</a:t>
+            </a:r>
             <a:endParaRPr lang="en-US" dirty="0">
-              <a:solidFill>
-                <a:srgbClr val="000000"/>
-              </a:solidFill>
-              <a:latin typeface="Tahoma"/>
-              <a:ea typeface="Tahoma"/>
-              <a:cs typeface="Tahoma"/>
+              <a:cs typeface="Calibri"/>
             </a:endParaRPr>
           </a:p>
           <a:p>
-            <a:r>
-              <a:rPr lang="en-US" dirty="0">
-                <a:solidFill>
-                  <a:srgbClr val="000000"/>
-                </a:solidFill>
-                <a:latin typeface="Tahoma"/>
-                <a:ea typeface="Tahoma"/>
-                <a:cs typeface="Tahoma"/>
-              </a:rPr>
-              <a:t>It was created by JetBrains</a:t>
-            </a:r>
-          </a:p>
-          <a:p>
+            <a:pPr algn="l" rtl="0" eaLnBrk="1" hangingPunct="1"/>
+            <a:endParaRPr lang="en-US"/>
+          </a:p>
+          <a:p>
+            <a:r>
+              <a:rPr lang="en-US" dirty="0"/>
+              <a:t>The language's core philosophy is summarized in the document </a:t>
+            </a:r>
+            <a:r>
+              <a:rPr lang="en-US" i="1" dirty="0"/>
+              <a:t>The Zen of Python</a:t>
+            </a:r>
+            <a:r>
+              <a:rPr lang="en-US" dirty="0"/>
+              <a:t> (</a:t>
+            </a:r>
+            <a:r>
+              <a:rPr lang="en-US" i="1" dirty="0"/>
+              <a:t>PEP 20</a:t>
+            </a:r>
+            <a:r>
+              <a:rPr lang="en-US" dirty="0"/>
+              <a:t>), which includes aphorisms such as:</a:t>
+            </a:r>
             <a:endParaRPr lang="en-US" dirty="0">
-              <a:solidFill>
-                <a:srgbClr val="000000"/>
-              </a:solidFill>
-              <a:latin typeface="Tahoma"/>
-              <a:ea typeface="Tahoma"/>
-              <a:cs typeface="Tahoma"/>
+              <a:cs typeface="Calibri"/>
             </a:endParaRPr>
           </a:p>
           <a:p>
-            <a:r>
-              <a:rPr lang="en-US" dirty="0">
-                <a:solidFill>
-                  <a:srgbClr val="000000"/>
-                </a:solidFill>
-                <a:latin typeface="Tahoma"/>
-                <a:ea typeface="Tahoma"/>
-                <a:cs typeface="Tahoma"/>
-              </a:rPr>
-              <a:t>It is mostly popular because of many things, such as:</a:t>
-            </a:r>
-          </a:p>
-          <a:p>
-            <a:pPr marL="171450" indent="-171450">
+            <a:pPr marL="285750" indent="-285750">
               <a:buFont typeface="Arial"/>
               <a:buChar char="•"/>
             </a:pPr>
             <a:r>
-              <a:rPr lang="en-US" dirty="0">
-                <a:solidFill>
-                  <a:srgbClr val="000000"/>
-                </a:solidFill>
-                <a:latin typeface="Tahoma"/>
-                <a:ea typeface="Tahoma"/>
-                <a:cs typeface="Tahoma"/>
-              </a:rPr>
-              <a:t>It is considered as an intelligent code editor, fast and safe refactoring, and smart code.</a:t>
-            </a:r>
-          </a:p>
-          <a:p>
-            <a:pPr marL="171450" indent="-171450">
+              <a:rPr lang="en-US" dirty="0"/>
+              <a:t>Beautiful is better than ugly.</a:t>
+            </a:r>
+            <a:endParaRPr lang="en-US" dirty="0">
+              <a:cs typeface="Calibri"/>
+            </a:endParaRPr>
+          </a:p>
+          <a:p>
+            <a:pPr marL="285750" indent="-285750">
               <a:buFont typeface="Arial"/>
               <a:buChar char="•"/>
             </a:pPr>
             <a:r>
-              <a:rPr lang="en-US" dirty="0">
-                <a:solidFill>
-                  <a:srgbClr val="000000"/>
-                </a:solidFill>
-                <a:latin typeface="Tahoma"/>
-                <a:ea typeface="Tahoma"/>
-                <a:cs typeface="Tahoma"/>
-              </a:rPr>
-              <a:t>Features for debugging, profiling, remote development, testing the code, auto code completion, quick fixing, error detection and tools of the database.</a:t>
-            </a:r>
-          </a:p>
-          <a:p>
-            <a:pPr marL="171450" indent="-171450">
+              <a:rPr lang="en-US" dirty="0"/>
+              <a:t>Explicit is better than implicit.</a:t>
+            </a:r>
+            <a:endParaRPr lang="en-US" dirty="0">
+              <a:cs typeface="Calibri"/>
+            </a:endParaRPr>
+          </a:p>
+          <a:p>
+            <a:pPr marL="285750" indent="-285750">
               <a:buFont typeface="Arial"/>
               <a:buChar char="•"/>
             </a:pPr>
             <a:r>
+              <a:rPr lang="en-US" dirty="0"/>
+              <a:t>Simple is better than complex.</a:t>
+            </a:r>
+            <a:endParaRPr lang="en-US" dirty="0">
+              <a:cs typeface="Calibri"/>
+            </a:endParaRPr>
+          </a:p>
+          <a:p>
+            <a:pPr marL="285750" indent="-285750">
+              <a:buFont typeface="Arial"/>
+              <a:buChar char="•"/>
+            </a:pPr>
+            <a:r>
+              <a:rPr lang="en-US" dirty="0"/>
+              <a:t>Complex is better than complicated.</a:t>
+            </a:r>
+            <a:endParaRPr lang="en-US" dirty="0">
+              <a:cs typeface="Calibri"/>
+            </a:endParaRPr>
+          </a:p>
+          <a:p>
+            <a:pPr marL="285750" indent="-285750">
+              <a:buFont typeface="Arial"/>
+              <a:buChar char="•"/>
+            </a:pPr>
+            <a:r>
+              <a:rPr lang="en-US" dirty="0"/>
+              <a:t>Readability counts.</a:t>
+            </a:r>
+            <a:endParaRPr lang="en-US" dirty="0">
+              <a:cs typeface="Calibri"/>
+            </a:endParaRPr>
+          </a:p>
+          <a:p>
+            <a:pPr algn="l"/>
+            <a:endParaRPr lang="en-US" dirty="0">
+              <a:cs typeface="Calibri"/>
+            </a:endParaRPr>
+          </a:p>
+          <a:p>
+            <a:endParaRPr lang="en-US" u="sng"/>
+          </a:p>
+          <a:p>
+            <a:pPr algn="l" rtl="0" eaLnBrk="1" hangingPunct="1"/>
+            <a:r>
+              <a:rPr lang="en-US" u="sng" dirty="0"/>
+              <a:t>For further reading:</a:t>
+            </a:r>
+          </a:p>
+          <a:p>
+            <a:r>
               <a:rPr lang="en-US" dirty="0">
-                <a:solidFill>
-                  <a:srgbClr val="000000"/>
-                </a:solidFill>
-                <a:latin typeface="Tahoma"/>
-                <a:ea typeface="Tahoma"/>
-                <a:cs typeface="Tahoma"/>
-              </a:rPr>
-              <a:t>Support for Popular web technologies, web frameworks, scientific libraries and version control. </a:t>
-            </a:r>
-          </a:p>
-          <a:p>
-            <a:endParaRPr lang="en-US" dirty="0">
-              <a:solidFill>
-                <a:srgbClr val="000000"/>
-              </a:solidFill>
-              <a:latin typeface="Tahoma"/>
-              <a:ea typeface="Tahoma"/>
-              <a:cs typeface="Tahoma"/>
-            </a:endParaRPr>
+                <a:hlinkClick r:id="rId3"/>
+              </a:rPr>
+              <a:t>Python (programming language) - Wikipedia</a:t>
+            </a:r>
+            <a:endParaRPr lang="en-US"/>
           </a:p>
         </p:txBody>
       </p:sp>
@@ -1397,7 +1299,7 @@
             <a:fld id="{C18343ED-3762-4D46-A439-B4D407E13EF8}" type="slidenum">
               <a:rPr lang="en-US" smtClean="0"/>
               <a:pPr/>
-              <a:t>7</a:t>
+              <a:t>4</a:t>
             </a:fld>
             <a:endParaRPr lang="en-US"/>
           </a:p>
@@ -1406,7 +1308,7 @@
     </p:spTree>
     <p:extLst>
       <p:ext uri="{BB962C8B-B14F-4D97-AF65-F5344CB8AC3E}">
-        <p14:creationId xmlns:p14="http://schemas.microsoft.com/office/powerpoint/2010/main" val="3013686146"/>
+        <p14:creationId xmlns:p14="http://schemas.microsoft.com/office/powerpoint/2010/main" val="2030585090"/>
       </p:ext>
     </p:extLst>
   </p:cSld>
@@ -1599,7 +1501,7 @@
             <a:fld id="{C18343ED-3762-4D46-A439-B4D407E13EF8}" type="slidenum">
               <a:rPr lang="en-US" smtClean="0"/>
               <a:pPr/>
-              <a:t>8</a:t>
+              <a:t>7</a:t>
             </a:fld>
             <a:endParaRPr lang="en-US"/>
           </a:p>
@@ -1608,7 +1510,7 @@
     </p:spTree>
     <p:extLst>
       <p:ext uri="{BB962C8B-B14F-4D97-AF65-F5344CB8AC3E}">
-        <p14:creationId xmlns:p14="http://schemas.microsoft.com/office/powerpoint/2010/main" val="4088648762"/>
+        <p14:creationId xmlns:p14="http://schemas.microsoft.com/office/powerpoint/2010/main" val="3013686146"/>
       </p:ext>
     </p:extLst>
   </p:cSld>
@@ -1801,7 +1703,7 @@
             <a:fld id="{C18343ED-3762-4D46-A439-B4D407E13EF8}" type="slidenum">
               <a:rPr lang="en-US" smtClean="0"/>
               <a:pPr/>
-              <a:t>9</a:t>
+              <a:t>8</a:t>
             </a:fld>
             <a:endParaRPr lang="en-US"/>
           </a:p>
@@ -1810,7 +1712,7 @@
     </p:spTree>
     <p:extLst>
       <p:ext uri="{BB962C8B-B14F-4D97-AF65-F5344CB8AC3E}">
-        <p14:creationId xmlns:p14="http://schemas.microsoft.com/office/powerpoint/2010/main" val="1157867576"/>
+        <p14:creationId xmlns:p14="http://schemas.microsoft.com/office/powerpoint/2010/main" val="4088648762"/>
       </p:ext>
     </p:extLst>
   </p:cSld>
@@ -2003,6 +1905,208 @@
             <a:fld id="{C18343ED-3762-4D46-A439-B4D407E13EF8}" type="slidenum">
               <a:rPr lang="en-US" smtClean="0"/>
               <a:pPr/>
+              <a:t>9</a:t>
+            </a:fld>
+            <a:endParaRPr lang="en-US"/>
+          </a:p>
+        </p:txBody>
+      </p:sp>
+    </p:spTree>
+    <p:extLst>
+      <p:ext uri="{BB962C8B-B14F-4D97-AF65-F5344CB8AC3E}">
+        <p14:creationId xmlns:p14="http://schemas.microsoft.com/office/powerpoint/2010/main" val="1157867576"/>
+      </p:ext>
+    </p:extLst>
+  </p:cSld>
+  <p:clrMapOvr>
+    <a:masterClrMapping/>
+  </p:clrMapOvr>
+</p:notes>
+</file>
+
+<file path=ppt/notesSlides/notesSlide7.xml><?xml version="1.0" encoding="utf-8"?>
+<p:notes xmlns:a="http://schemas.openxmlformats.org/drawingml/2006/main" xmlns:r="http://schemas.openxmlformats.org/officeDocument/2006/relationships" xmlns:p="http://schemas.openxmlformats.org/presentationml/2006/main">
+  <p:cSld>
+    <p:spTree>
+      <p:nvGrpSpPr>
+        <p:cNvPr id="1" name=""/>
+        <p:cNvGrpSpPr/>
+        <p:nvPr/>
+      </p:nvGrpSpPr>
+      <p:grpSpPr>
+        <a:xfrm>
+          <a:off x="0" y="0"/>
+          <a:ext cx="0" cy="0"/>
+          <a:chOff x="0" y="0"/>
+          <a:chExt cx="0" cy="0"/>
+        </a:xfrm>
+      </p:grpSpPr>
+      <p:sp>
+        <p:nvSpPr>
+          <p:cNvPr id="2" name="Slide Image Placeholder 1"/>
+          <p:cNvSpPr>
+            <a:spLocks noGrp="1" noRot="1" noChangeAspect="1"/>
+          </p:cNvSpPr>
+          <p:nvPr>
+            <p:ph type="sldImg"/>
+          </p:nvPr>
+        </p:nvSpPr>
+        <p:spPr/>
+      </p:sp>
+      <p:sp>
+        <p:nvSpPr>
+          <p:cNvPr id="3" name="Notes Placeholder 2"/>
+          <p:cNvSpPr>
+            <a:spLocks noGrp="1"/>
+          </p:cNvSpPr>
+          <p:nvPr>
+            <p:ph type="body" idx="1"/>
+          </p:nvPr>
+        </p:nvSpPr>
+        <p:spPr/>
+        <p:txBody>
+          <a:bodyPr/>
+          <a:lstStyle/>
+          <a:p>
+            <a:r>
+              <a:rPr lang="en-US" dirty="0">
+                <a:solidFill>
+                  <a:srgbClr val="000000"/>
+                </a:solidFill>
+                <a:latin typeface="Tahoma"/>
+                <a:ea typeface="Tahoma"/>
+                <a:cs typeface="Tahoma"/>
+              </a:rPr>
+              <a:t>PyCharm is currently one of the most used IDE for python development, It provides code analysis, a graphical debugger, an integrated unit tester, integration with version control systems (VCSes), and supports web development with Django as well as data science with Anaconda.</a:t>
+            </a:r>
+          </a:p>
+          <a:p>
+            <a:endParaRPr lang="en-US" dirty="0">
+              <a:solidFill>
+                <a:srgbClr val="000000"/>
+              </a:solidFill>
+              <a:latin typeface="Tahoma"/>
+              <a:ea typeface="Tahoma"/>
+              <a:cs typeface="Tahoma"/>
+            </a:endParaRPr>
+          </a:p>
+          <a:p>
+            <a:r>
+              <a:rPr lang="en-US" dirty="0">
+                <a:solidFill>
+                  <a:srgbClr val="000000"/>
+                </a:solidFill>
+                <a:latin typeface="Tahoma"/>
+                <a:ea typeface="Tahoma"/>
+                <a:cs typeface="Tahoma"/>
+              </a:rPr>
+              <a:t>It was created by JetBrains</a:t>
+            </a:r>
+          </a:p>
+          <a:p>
+            <a:endParaRPr lang="en-US" dirty="0">
+              <a:solidFill>
+                <a:srgbClr val="000000"/>
+              </a:solidFill>
+              <a:latin typeface="Tahoma"/>
+              <a:ea typeface="Tahoma"/>
+              <a:cs typeface="Tahoma"/>
+            </a:endParaRPr>
+          </a:p>
+          <a:p>
+            <a:r>
+              <a:rPr lang="en-US" dirty="0">
+                <a:solidFill>
+                  <a:srgbClr val="000000"/>
+                </a:solidFill>
+                <a:latin typeface="Tahoma"/>
+                <a:ea typeface="Tahoma"/>
+                <a:cs typeface="Tahoma"/>
+              </a:rPr>
+              <a:t>It is mostly popular because of many things, such as:</a:t>
+            </a:r>
+          </a:p>
+          <a:p>
+            <a:pPr marL="171450" indent="-171450">
+              <a:buFont typeface="Arial"/>
+              <a:buChar char="•"/>
+            </a:pPr>
+            <a:r>
+              <a:rPr lang="en-US" dirty="0">
+                <a:solidFill>
+                  <a:srgbClr val="000000"/>
+                </a:solidFill>
+                <a:latin typeface="Tahoma"/>
+                <a:ea typeface="Tahoma"/>
+                <a:cs typeface="Tahoma"/>
+              </a:rPr>
+              <a:t>It is considered as an intelligent code editor, fast and safe refactoring, and smart code.</a:t>
+            </a:r>
+          </a:p>
+          <a:p>
+            <a:pPr marL="171450" indent="-171450">
+              <a:buFont typeface="Arial"/>
+              <a:buChar char="•"/>
+            </a:pPr>
+            <a:r>
+              <a:rPr lang="en-US" dirty="0">
+                <a:solidFill>
+                  <a:srgbClr val="000000"/>
+                </a:solidFill>
+                <a:latin typeface="Tahoma"/>
+                <a:ea typeface="Tahoma"/>
+                <a:cs typeface="Tahoma"/>
+              </a:rPr>
+              <a:t>Features for debugging, profiling, remote development, testing the code, auto code completion, quick fixing, error detection and tools of the database.</a:t>
+            </a:r>
+          </a:p>
+          <a:p>
+            <a:pPr marL="171450" indent="-171450">
+              <a:buFont typeface="Arial"/>
+              <a:buChar char="•"/>
+            </a:pPr>
+            <a:r>
+              <a:rPr lang="en-US" dirty="0">
+                <a:solidFill>
+                  <a:srgbClr val="000000"/>
+                </a:solidFill>
+                <a:latin typeface="Tahoma"/>
+                <a:ea typeface="Tahoma"/>
+                <a:cs typeface="Tahoma"/>
+              </a:rPr>
+              <a:t>Support for Popular web technologies, web frameworks, scientific libraries and version control. </a:t>
+            </a:r>
+          </a:p>
+          <a:p>
+            <a:endParaRPr lang="en-US" dirty="0">
+              <a:solidFill>
+                <a:srgbClr val="000000"/>
+              </a:solidFill>
+              <a:latin typeface="Tahoma"/>
+              <a:ea typeface="Tahoma"/>
+              <a:cs typeface="Tahoma"/>
+            </a:endParaRPr>
+          </a:p>
+        </p:txBody>
+      </p:sp>
+      <p:sp>
+        <p:nvSpPr>
+          <p:cNvPr id="4" name="Slide Number Placeholder 3"/>
+          <p:cNvSpPr>
+            <a:spLocks noGrp="1"/>
+          </p:cNvSpPr>
+          <p:nvPr>
+            <p:ph type="sldNum" sz="quarter" idx="10"/>
+          </p:nvPr>
+        </p:nvSpPr>
+        <p:spPr/>
+        <p:txBody>
+          <a:bodyPr/>
+          <a:lstStyle/>
+          <a:p>
+            <a:fld id="{C18343ED-3762-4D46-A439-B4D407E13EF8}" type="slidenum">
+              <a:rPr lang="en-US" smtClean="0"/>
+              <a:pPr/>
               <a:t>10</a:t>
             </a:fld>
             <a:endParaRPr lang="en-US"/>
@@ -2022,7 +2126,7 @@
 </p:notes>
 </file>
 
-<file path=ppt/notesSlides/notesSlide7.xml><?xml version="1.0" encoding="utf-8"?>
+<file path=ppt/notesSlides/notesSlide8.xml><?xml version="1.0" encoding="utf-8"?>
 <p:notes xmlns:a="http://schemas.openxmlformats.org/drawingml/2006/main" xmlns:r="http://schemas.openxmlformats.org/officeDocument/2006/relationships" xmlns:p="http://schemas.openxmlformats.org/presentationml/2006/main">
   <p:cSld>
     <p:spTree>
@@ -2857,298 +2961,6 @@
 </file>
 
 <file path=ppt/slideLayouts/slideLayout12.xml><?xml version="1.0" encoding="utf-8"?>
-<p:sldLayout xmlns:a="http://schemas.openxmlformats.org/drawingml/2006/main" xmlns:r="http://schemas.openxmlformats.org/officeDocument/2006/relationships" xmlns:p="http://schemas.openxmlformats.org/presentationml/2006/main" userDrawn="1">
-  <p:cSld name="1_Title Slide">
-    <p:spTree>
-      <p:nvGrpSpPr>
-        <p:cNvPr id="1" name=""/>
-        <p:cNvGrpSpPr/>
-        <p:nvPr/>
-      </p:nvGrpSpPr>
-      <p:grpSpPr>
-        <a:xfrm>
-          <a:off x="0" y="0"/>
-          <a:ext cx="0" cy="0"/>
-          <a:chOff x="0" y="0"/>
-          <a:chExt cx="0" cy="0"/>
-        </a:xfrm>
-      </p:grpSpPr>
-      <p:sp>
-        <p:nvSpPr>
-          <p:cNvPr id="2" name="Title 1"/>
-          <p:cNvSpPr>
-            <a:spLocks noGrp="1"/>
-          </p:cNvSpPr>
-          <p:nvPr>
-            <p:ph type="ctrTitle"/>
-          </p:nvPr>
-        </p:nvSpPr>
-        <p:spPr>
-          <a:xfrm>
-            <a:off x="774049" y="1340768"/>
-            <a:ext cx="9850763" cy="1085850"/>
-          </a:xfrm>
-        </p:spPr>
-        <p:txBody>
-          <a:bodyPr vert="horz" lIns="0" tIns="45720" rIns="91440" bIns="45720" rtlCol="0" anchor="t" anchorCtr="0">
-            <a:normAutofit/>
-          </a:bodyPr>
-          <a:lstStyle>
-            <a:lvl1pPr>
-              <a:defRPr lang="en-US" sz="3200" dirty="0">
-                <a:ln w="3175">
-                  <a:noFill/>
-                </a:ln>
-              </a:defRPr>
-            </a:lvl1pPr>
-          </a:lstStyle>
-          <a:p>
-            <a:pPr lvl="0"/>
-            <a:r>
-              <a:rPr lang="en-US"/>
-              <a:t>Click to edit Master title style</a:t>
-            </a:r>
-          </a:p>
-        </p:txBody>
-      </p:sp>
-      <p:sp>
-        <p:nvSpPr>
-          <p:cNvPr id="11" name="TextBox 10"/>
-          <p:cNvSpPr txBox="1"/>
-          <p:nvPr userDrawn="1"/>
-        </p:nvSpPr>
-        <p:spPr>
-          <a:xfrm>
-            <a:off x="774050" y="6362070"/>
-            <a:ext cx="10506527" cy="261610"/>
-          </a:xfrm>
-          <a:prstGeom prst="rect">
-            <a:avLst/>
-          </a:prstGeom>
-          <a:noFill/>
-        </p:spPr>
-        <p:txBody>
-          <a:bodyPr wrap="square" lIns="0" rtlCol="0">
-            <a:spAutoFit/>
-          </a:bodyPr>
-          <a:lstStyle/>
-          <a:p>
-            <a:pPr algn="l"/>
-            <a:r>
-              <a:rPr lang="en-US" sz="1100" kern="1200">
-                <a:solidFill>
-                  <a:schemeClr val="tx1">
-                    <a:lumMod val="85000"/>
-                    <a:lumOff val="15000"/>
-                  </a:schemeClr>
-                </a:solidFill>
-                <a:latin typeface="Segoe" panose="020B0502040504020203" pitchFamily="34" charset="0"/>
-                <a:ea typeface="+mn-ea"/>
-                <a:cs typeface="+mn-cs"/>
-              </a:rPr>
-              <a:t>Copyright © SELA Software &amp; Education Labs, Ltd. | 14-18 Baruch Hirsch St., </a:t>
-            </a:r>
-            <a:r>
-              <a:rPr lang="en-US" sz="1100" kern="1200" err="1">
-                <a:solidFill>
-                  <a:schemeClr val="tx1">
-                    <a:lumMod val="85000"/>
-                    <a:lumOff val="15000"/>
-                  </a:schemeClr>
-                </a:solidFill>
-                <a:latin typeface="Segoe" panose="020B0502040504020203" pitchFamily="34" charset="0"/>
-                <a:ea typeface="+mn-ea"/>
-                <a:cs typeface="+mn-cs"/>
-              </a:rPr>
-              <a:t>Bnei</a:t>
-            </a:r>
-            <a:r>
-              <a:rPr lang="en-US" sz="1100" kern="1200">
-                <a:solidFill>
-                  <a:schemeClr val="tx1">
-                    <a:lumMod val="85000"/>
-                    <a:lumOff val="15000"/>
-                  </a:schemeClr>
-                </a:solidFill>
-                <a:latin typeface="Segoe" panose="020B0502040504020203" pitchFamily="34" charset="0"/>
-                <a:ea typeface="+mn-ea"/>
-                <a:cs typeface="+mn-cs"/>
-              </a:rPr>
-              <a:t> </a:t>
-            </a:r>
-            <a:r>
-              <a:rPr lang="en-US" sz="1100" kern="1200" err="1">
-                <a:solidFill>
-                  <a:schemeClr val="tx1">
-                    <a:lumMod val="85000"/>
-                    <a:lumOff val="15000"/>
-                  </a:schemeClr>
-                </a:solidFill>
-                <a:latin typeface="Segoe" panose="020B0502040504020203" pitchFamily="34" charset="0"/>
-                <a:ea typeface="+mn-ea"/>
-                <a:cs typeface="+mn-cs"/>
-              </a:rPr>
-              <a:t>Brak</a:t>
-            </a:r>
-            <a:r>
-              <a:rPr lang="en-US" sz="1100" kern="1200">
-                <a:solidFill>
-                  <a:schemeClr val="tx1">
-                    <a:lumMod val="85000"/>
-                    <a:lumOff val="15000"/>
-                  </a:schemeClr>
-                </a:solidFill>
-                <a:latin typeface="Segoe" panose="020B0502040504020203" pitchFamily="34" charset="0"/>
-                <a:ea typeface="+mn-ea"/>
-                <a:cs typeface="+mn-cs"/>
-              </a:rPr>
-              <a:t> 51202, Israel | www.selagroup.com</a:t>
-            </a:r>
-            <a:endParaRPr lang="en-US" sz="800">
-              <a:solidFill>
-                <a:schemeClr val="tx1">
-                  <a:lumMod val="85000"/>
-                  <a:lumOff val="15000"/>
-                </a:schemeClr>
-              </a:solidFill>
-              <a:latin typeface="Segoe" panose="020B0502040504020203" pitchFamily="34" charset="0"/>
-            </a:endParaRPr>
-          </a:p>
-        </p:txBody>
-      </p:sp>
-      <p:pic>
-        <p:nvPicPr>
-          <p:cNvPr id="13" name="Picture 12"/>
-          <p:cNvPicPr>
-            <a:picLocks noChangeAspect="1"/>
-          </p:cNvPicPr>
-          <p:nvPr userDrawn="1"/>
-        </p:nvPicPr>
-        <p:blipFill>
-          <a:blip r:embed="rId2" cstate="print">
-            <a:extLst>
-              <a:ext uri="{28A0092B-C50C-407E-A947-70E740481C1C}">
-                <a14:useLocalDpi xmlns:a14="http://schemas.microsoft.com/office/drawing/2010/main" val="0"/>
-              </a:ext>
-            </a:extLst>
-          </a:blip>
-          <a:stretch>
-            <a:fillRect/>
-          </a:stretch>
-        </p:blipFill>
-        <p:spPr>
-          <a:xfrm>
-            <a:off x="774050" y="534798"/>
-            <a:ext cx="3509932" cy="483907"/>
-          </a:xfrm>
-          <a:prstGeom prst="rect">
-            <a:avLst/>
-          </a:prstGeom>
-        </p:spPr>
-      </p:pic>
-      <p:sp>
-        <p:nvSpPr>
-          <p:cNvPr id="7" name="Text Placeholder 6"/>
-          <p:cNvSpPr>
-            <a:spLocks noGrp="1"/>
-          </p:cNvSpPr>
-          <p:nvPr>
-            <p:ph type="body" sz="quarter" idx="10"/>
-          </p:nvPr>
-        </p:nvSpPr>
-        <p:spPr>
-          <a:xfrm>
-            <a:off x="774701" y="2427289"/>
-            <a:ext cx="9850967" cy="1362075"/>
-          </a:xfrm>
-          <a:prstGeom prst="rect">
-            <a:avLst/>
-          </a:prstGeom>
-        </p:spPr>
-        <p:txBody>
-          <a:bodyPr/>
-          <a:lstStyle>
-            <a:lvl1pPr marL="0" marR="0" indent="0" algn="l" defTabSz="914400" rtl="0" eaLnBrk="1" fontAlgn="auto" latinLnBrk="0" hangingPunct="1">
-              <a:lnSpc>
-                <a:spcPct val="100000"/>
-              </a:lnSpc>
-              <a:spcBef>
-                <a:spcPct val="20000"/>
-              </a:spcBef>
-              <a:spcAft>
-                <a:spcPts val="0"/>
-              </a:spcAft>
-              <a:buClrTx/>
-              <a:buSzTx/>
-              <a:buFontTx/>
-              <a:buNone/>
-              <a:tabLst/>
-              <a:defRPr>
-                <a:solidFill>
-                  <a:srgbClr val="E89636"/>
-                </a:solidFill>
-              </a:defRPr>
-            </a:lvl1pPr>
-            <a:lvl2pPr marL="457200" indent="0" algn="l" rtl="0">
-              <a:buFontTx/>
-              <a:buNone/>
-              <a:defRPr/>
-            </a:lvl2pPr>
-            <a:lvl3pPr marL="914400" indent="0" algn="l" rtl="0">
-              <a:buFontTx/>
-              <a:buNone/>
-              <a:defRPr/>
-            </a:lvl3pPr>
-            <a:lvl4pPr marL="1371600" indent="0" algn="l" rtl="0">
-              <a:buFontTx/>
-              <a:buNone/>
-              <a:defRPr/>
-            </a:lvl4pPr>
-            <a:lvl5pPr marL="1828800" indent="0" algn="l" rtl="0">
-              <a:buFontTx/>
-              <a:buNone/>
-              <a:defRPr/>
-            </a:lvl5pPr>
-          </a:lstStyle>
-          <a:p>
-            <a:pPr lvl="0"/>
-            <a:r>
-              <a:rPr lang="en-US"/>
-              <a:t>Click to edit Master text styles</a:t>
-            </a:r>
-          </a:p>
-        </p:txBody>
-      </p:sp>
-    </p:spTree>
-    <p:extLst>
-      <p:ext uri="{BB962C8B-B14F-4D97-AF65-F5344CB8AC3E}">
-        <p14:creationId xmlns:p14="http://schemas.microsoft.com/office/powerpoint/2010/main" val="2797336940"/>
-      </p:ext>
-    </p:extLst>
-  </p:cSld>
-  <p:clrMapOvr>
-    <a:masterClrMapping/>
-  </p:clrMapOvr>
-  <p:extLst>
-    <p:ext uri="{DCECCB84-F9BA-43D5-87BE-67443E8EF086}">
-      <p15:sldGuideLst xmlns:p15="http://schemas.microsoft.com/office/powerpoint/2012/main">
-        <p15:guide id="1" orient="horz" pos="789">
-          <p15:clr>
-            <a:srgbClr val="FBAE40"/>
-          </p15:clr>
-        </p15:guide>
-        <p15:guide id="2" pos="612">
-          <p15:clr>
-            <a:srgbClr val="FBAE40"/>
-          </p15:clr>
-        </p15:guide>
-      </p15:sldGuideLst>
-    </p:ext>
-  </p:extLst>
-</p:sldLayout>
-</file>
-
-<file path=ppt/slideLayouts/slideLayout13.xml><?xml version="1.0" encoding="utf-8"?>
 <p:sldLayout xmlns:a="http://schemas.openxmlformats.org/drawingml/2006/main" xmlns:r="http://schemas.openxmlformats.org/officeDocument/2006/relationships" xmlns:p="http://schemas.openxmlformats.org/presentationml/2006/main" userDrawn="1">
   <p:cSld name="Questions">
     <p:spTree>
@@ -3629,7 +3441,7 @@
 </p:sldLayout>
 </file>
 
-<file path=ppt/slideLayouts/slideLayout14.xml><?xml version="1.0" encoding="utf-8"?>
+<file path=ppt/slideLayouts/slideLayout13.xml><?xml version="1.0" encoding="utf-8"?>
 <p:sldLayout xmlns:a="http://schemas.openxmlformats.org/drawingml/2006/main" xmlns:r="http://schemas.openxmlformats.org/officeDocument/2006/relationships" xmlns:p="http://schemas.openxmlformats.org/presentationml/2006/main" userDrawn="1">
   <p:cSld name="ModuleAgenda">
     <p:spTree>
@@ -3747,6 +3559,63 @@
     <p:extLst>
       <p:ext uri="{BB962C8B-B14F-4D97-AF65-F5344CB8AC3E}">
         <p14:creationId xmlns:p14="http://schemas.microsoft.com/office/powerpoint/2010/main" val="2852242453"/>
+      </p:ext>
+    </p:extLst>
+  </p:cSld>
+  <p:clrMapOvr>
+    <a:masterClrMapping/>
+  </p:clrMapOvr>
+</p:sldLayout>
+</file>
+
+<file path=ppt/slideLayouts/slideLayout14.xml><?xml version="1.0" encoding="utf-8"?>
+<p:sldLayout xmlns:a="http://schemas.openxmlformats.org/drawingml/2006/main" xmlns:r="http://schemas.openxmlformats.org/officeDocument/2006/relationships" xmlns:p="http://schemas.openxmlformats.org/presentationml/2006/main" matchingName="6_Title Slide">
+  <p:cSld name="6_Title Slide">
+    <p:spTree>
+      <p:nvGrpSpPr>
+        <p:cNvPr id="1" name="Shape 16"/>
+        <p:cNvGrpSpPr/>
+        <p:nvPr/>
+      </p:nvGrpSpPr>
+      <p:grpSpPr>
+        <a:xfrm>
+          <a:off x="0" y="0"/>
+          <a:ext cx="0" cy="0"/>
+          <a:chOff x="0" y="0"/>
+          <a:chExt cx="0" cy="0"/>
+        </a:xfrm>
+      </p:grpSpPr>
+      <p:pic>
+        <p:nvPicPr>
+          <p:cNvPr id="17" name="Google Shape;17;p10"/>
+          <p:cNvPicPr preferRelativeResize="0"/>
+          <p:nvPr/>
+        </p:nvPicPr>
+        <p:blipFill rotWithShape="1">
+          <a:blip r:embed="rId2">
+            <a:alphaModFix/>
+          </a:blip>
+          <a:srcRect/>
+          <a:stretch/>
+        </p:blipFill>
+        <p:spPr>
+          <a:xfrm>
+            <a:off x="10668000" y="5981612"/>
+            <a:ext cx="1246029" cy="511263"/>
+          </a:xfrm>
+          <a:prstGeom prst="rect">
+            <a:avLst/>
+          </a:prstGeom>
+          <a:noFill/>
+          <a:ln>
+            <a:noFill/>
+          </a:ln>
+        </p:spPr>
+      </p:pic>
+    </p:spTree>
+    <p:extLst>
+      <p:ext uri="{BB962C8B-B14F-4D97-AF65-F5344CB8AC3E}">
+        <p14:creationId xmlns:p14="http://schemas.microsoft.com/office/powerpoint/2010/main" val="40087027"/>
       </p:ext>
     </p:extLst>
   </p:cSld>
@@ -6058,9 +5927,9 @@
     <p:sldLayoutId id="2147483657" r:id="rId9"/>
     <p:sldLayoutId id="2147483658" r:id="rId10"/>
     <p:sldLayoutId id="2147483659" r:id="rId11"/>
-    <p:sldLayoutId id="2147483660" r:id="rId12"/>
-    <p:sldLayoutId id="2147483670" r:id="rId13"/>
-    <p:sldLayoutId id="2147483671" r:id="rId14"/>
+    <p:sldLayoutId id="2147483670" r:id="rId12"/>
+    <p:sldLayoutId id="2147483671" r:id="rId13"/>
+    <p:sldLayoutId id="2147483672" r:id="rId14"/>
   </p:sldLayoutIdLst>
   <p:txStyles>
     <p:titleStyle>
@@ -6350,7 +6219,7 @@
   <p:cSld>
     <p:spTree>
       <p:nvGrpSpPr>
-        <p:cNvPr id="1" name=""/>
+        <p:cNvPr id="1" name="Shape 161"/>
         <p:cNvGrpSpPr/>
         <p:nvPr/>
       </p:nvGrpSpPr>
@@ -6364,58 +6233,507 @@
       </p:grpSpPr>
       <p:sp>
         <p:nvSpPr>
-          <p:cNvPr id="2" name="Title 1"/>
-          <p:cNvSpPr>
-            <a:spLocks noGrp="1"/>
-          </p:cNvSpPr>
-          <p:nvPr>
-            <p:ph type="ctrTitle"/>
-          </p:nvPr>
+          <p:cNvPr id="162" name="Google Shape;162;p3"/>
+          <p:cNvSpPr/>
+          <p:nvPr/>
         </p:nvSpPr>
         <p:spPr>
           <a:xfrm>
-            <a:off x="2135560" y="1700808"/>
-            <a:ext cx="7388072" cy="1085850"/>
+            <a:off x="753215" y="731221"/>
+            <a:ext cx="1852408" cy="1804715"/>
           </a:xfrm>
+          <a:prstGeom prst="rect">
+            <a:avLst/>
+          </a:prstGeom>
+          <a:noFill/>
+          <a:ln w="114300" cap="flat" cmpd="sng">
+            <a:solidFill>
+              <a:srgbClr val="0071F6"/>
+            </a:solidFill>
+            <a:prstDash val="solid"/>
+            <a:miter lim="800000"/>
+            <a:headEnd type="none" w="sm" len="sm"/>
+            <a:tailEnd type="none" w="sm" len="sm"/>
+          </a:ln>
         </p:spPr>
         <p:txBody>
-          <a:bodyPr>
-            <a:normAutofit fontScale="90000"/>
+          <a:bodyPr spcFirstLastPara="1" wrap="square" lIns="91425" tIns="45700" rIns="91425" bIns="45700" anchor="ctr" anchorCtr="0">
+            <a:noAutofit/>
           </a:bodyPr>
           <a:lstStyle/>
           <a:p>
-            <a:r>
-              <a:rPr lang="en-US" dirty="0"/>
-              <a:t>Module 10 – Python </a:t>
-            </a:r>
-            <a:r>
-              <a:rPr lang="en-US" dirty="0" err="1"/>
+            <a:pPr marL="0" marR="0" lvl="0" indent="0" algn="ctr" rtl="0">
+              <a:spcBef>
+                <a:spcPts val="0"/>
+              </a:spcBef>
+              <a:spcAft>
+                <a:spcPts val="0"/>
+              </a:spcAft>
+              <a:buNone/>
+            </a:pPr>
+            <a:endParaRPr sz="10000" b="0" i="0" u="none" strike="noStrike" cap="none">
+              <a:solidFill>
+                <a:schemeClr val="lt1"/>
+              </a:solidFill>
+              <a:latin typeface="Calibri"/>
+              <a:ea typeface="Calibri"/>
+              <a:cs typeface="Calibri"/>
+              <a:sym typeface="Calibri"/>
+            </a:endParaRPr>
+          </a:p>
+        </p:txBody>
+      </p:sp>
+      <p:sp>
+        <p:nvSpPr>
+          <p:cNvPr id="163" name="Google Shape;163;p3"/>
+          <p:cNvSpPr/>
+          <p:nvPr/>
+        </p:nvSpPr>
+        <p:spPr>
+          <a:xfrm>
+            <a:off x="1024128" y="974550"/>
+            <a:ext cx="1938528" cy="1220010"/>
+          </a:xfrm>
+          <a:prstGeom prst="rect">
+            <a:avLst/>
+          </a:prstGeom>
+          <a:solidFill>
+            <a:schemeClr val="lt1"/>
+          </a:solidFill>
+          <a:ln>
+            <a:noFill/>
+          </a:ln>
+        </p:spPr>
+        <p:txBody>
+          <a:bodyPr spcFirstLastPara="1" wrap="square" lIns="91425" tIns="45700" rIns="91425" bIns="45700" anchor="ctr" anchorCtr="0">
+            <a:noAutofit/>
+          </a:bodyPr>
+          <a:lstStyle/>
+          <a:p>
+            <a:pPr marL="0" marR="0" lvl="0" indent="0" algn="ctr" rtl="0">
+              <a:spcBef>
+                <a:spcPts val="0"/>
+              </a:spcBef>
+              <a:spcAft>
+                <a:spcPts val="0"/>
+              </a:spcAft>
+              <a:buNone/>
+            </a:pPr>
+            <a:endParaRPr sz="1800" b="0" i="0" u="none" strike="noStrike" cap="none">
+              <a:solidFill>
+                <a:schemeClr val="lt1"/>
+              </a:solidFill>
+              <a:latin typeface="Calibri"/>
+              <a:ea typeface="Calibri"/>
+              <a:cs typeface="Calibri"/>
+              <a:sym typeface="Calibri"/>
+            </a:endParaRPr>
+          </a:p>
+        </p:txBody>
+      </p:sp>
+      <p:sp>
+        <p:nvSpPr>
+          <p:cNvPr id="164" name="Google Shape;164;p3"/>
+          <p:cNvSpPr txBox="1"/>
+          <p:nvPr/>
+        </p:nvSpPr>
+        <p:spPr>
+          <a:xfrm>
+            <a:off x="1197504" y="1264978"/>
+            <a:ext cx="10994496" cy="696987"/>
+          </a:xfrm>
+          <a:prstGeom prst="rect">
+            <a:avLst/>
+          </a:prstGeom>
+          <a:noFill/>
+          <a:ln>
+            <a:noFill/>
+          </a:ln>
+        </p:spPr>
+        <p:txBody>
+          <a:bodyPr spcFirstLastPara="1" wrap="square" lIns="0" tIns="0" rIns="0" bIns="0" anchor="t" anchorCtr="0">
+            <a:noAutofit/>
+          </a:bodyPr>
+          <a:lstStyle/>
+          <a:p>
+            <a:pPr marL="0" marR="0" lvl="0" indent="0" algn="l" rtl="0">
+              <a:lnSpc>
+                <a:spcPct val="90000"/>
+              </a:lnSpc>
+              <a:spcBef>
+                <a:spcPts val="0"/>
+              </a:spcBef>
+              <a:spcAft>
+                <a:spcPts val="0"/>
+              </a:spcAft>
+              <a:buClr>
+                <a:schemeClr val="dk1"/>
+              </a:buClr>
+              <a:buSzPts val="5000"/>
+              <a:buFont typeface="Lexend"/>
+              <a:buNone/>
+            </a:pPr>
+            <a:r>
+              <a:rPr lang="en-US" sz="5400" b="1" dirty="0">
+                <a:latin typeface="Lexend" panose="020B0604020202020204"/>
+              </a:rPr>
+              <a:t>Module 10 – </a:t>
+            </a:r>
+            <a:r>
+              <a:rPr lang="en-US" sz="5400" b="1" dirty="0" err="1">
+                <a:latin typeface="Lexend" panose="020B0604020202020204"/>
+              </a:rPr>
               <a:t>Containers,Encapsulation</a:t>
             </a:r>
-            <a:r>
-              <a:rPr lang="en-US" dirty="0"/>
-              <a:t> Packaging Python Code for Portable Execution</a:t>
-            </a:r>
-            <a:endParaRPr lang="he-IL" dirty="0"/>
-          </a:p>
-        </p:txBody>
-      </p:sp>
+            <a:endParaRPr lang="en-US" sz="2000" b="1" i="0" u="none" strike="noStrike" cap="none" dirty="0">
+              <a:solidFill>
+                <a:schemeClr val="tx2">
+                  <a:lumMod val="25000"/>
+                </a:schemeClr>
+              </a:solidFill>
+              <a:latin typeface="Lexend" panose="020B0604020202020204"/>
+              <a:ea typeface="Lexend" panose="020B0604020202020204"/>
+              <a:cs typeface="Lexend" panose="020B0604020202020204"/>
+              <a:sym typeface="Lexend"/>
+            </a:endParaRPr>
+          </a:p>
+        </p:txBody>
+      </p:sp>
+      <p:grpSp>
+        <p:nvGrpSpPr>
+          <p:cNvPr id="26" name="Group 25">
+            <a:extLst>
+              <a:ext uri="{FF2B5EF4-FFF2-40B4-BE49-F238E27FC236}">
+                <a16:creationId xmlns:a16="http://schemas.microsoft.com/office/drawing/2014/main" id="{3707614E-B472-D72F-3362-F3D5800A79AE}"/>
+              </a:ext>
+            </a:extLst>
+          </p:cNvPr>
+          <p:cNvGrpSpPr/>
+          <p:nvPr/>
+        </p:nvGrpSpPr>
+        <p:grpSpPr>
+          <a:xfrm>
+            <a:off x="4768981" y="6314787"/>
+            <a:ext cx="2898939" cy="435065"/>
+            <a:chOff x="4346126" y="6301065"/>
+            <a:chExt cx="2898939" cy="435065"/>
+          </a:xfrm>
+        </p:grpSpPr>
+        <p:sp>
+          <p:nvSpPr>
+            <p:cNvPr id="27" name="Google Shape;157;p2">
+              <a:extLst>
+                <a:ext uri="{FF2B5EF4-FFF2-40B4-BE49-F238E27FC236}">
+                  <a16:creationId xmlns:a16="http://schemas.microsoft.com/office/drawing/2014/main" id="{4EA5EBB7-68D9-5C27-8971-C58931043AB0}"/>
+                </a:ext>
+              </a:extLst>
+            </p:cNvPr>
+            <p:cNvSpPr txBox="1"/>
+            <p:nvPr/>
+          </p:nvSpPr>
+          <p:spPr>
+            <a:xfrm>
+              <a:off x="4346126" y="6301065"/>
+              <a:ext cx="2898939" cy="260080"/>
+            </a:xfrm>
+            <a:prstGeom prst="rect">
+              <a:avLst/>
+            </a:prstGeom>
+            <a:noFill/>
+            <a:ln>
+              <a:noFill/>
+            </a:ln>
+          </p:spPr>
+          <p:txBody>
+            <a:bodyPr spcFirstLastPara="1" wrap="square" lIns="91425" tIns="45700" rIns="91425" bIns="45700" anchor="t" anchorCtr="0">
+              <a:noAutofit/>
+            </a:bodyPr>
+            <a:lstStyle/>
+            <a:p>
+              <a:pPr marL="0" marR="0" lvl="0" indent="0" algn="ctr" rtl="0">
+                <a:lnSpc>
+                  <a:spcPct val="90000"/>
+                </a:lnSpc>
+                <a:spcBef>
+                  <a:spcPts val="0"/>
+                </a:spcBef>
+                <a:spcAft>
+                  <a:spcPts val="0"/>
+                </a:spcAft>
+                <a:buClr>
+                  <a:schemeClr val="lt1"/>
+                </a:buClr>
+                <a:buSzPts val="4000"/>
+                <a:buFont typeface="Lexend"/>
+                <a:buNone/>
+              </a:pPr>
+              <a:r>
+                <a:rPr lang="en-US" sz="1100" b="1" i="0" u="none" strike="noStrike" cap="none" dirty="0">
+                  <a:solidFill>
+                    <a:srgbClr val="00DBE9"/>
+                  </a:solidFill>
+                  <a:latin typeface="+mn-lt"/>
+                  <a:ea typeface="Lexend"/>
+                  <a:cs typeface="+mn-cs"/>
+                  <a:sym typeface="Lexend"/>
+                  <a:hlinkClick r:id="rId3">
+                    <a:extLst>
+                      <a:ext uri="{A12FA001-AC4F-418D-AE19-62706E023703}">
+                        <ahyp:hlinkClr xmlns:ahyp="http://schemas.microsoft.com/office/drawing/2018/hyperlinkcolor" val="tx"/>
+                      </a:ext>
+                    </a:extLst>
+                  </a:hlinkClick>
+                </a:rPr>
+                <a:t>WWW.SELACLOUD.COM</a:t>
+              </a:r>
+              <a:endParaRPr sz="1100" dirty="0">
+                <a:solidFill>
+                  <a:srgbClr val="00DBE9"/>
+                </a:solidFill>
+                <a:latin typeface="+mn-lt"/>
+                <a:cs typeface="+mn-cs"/>
+              </a:endParaRPr>
+            </a:p>
+            <a:p>
+              <a:pPr marL="0" marR="0" lvl="0" indent="0" algn="ctr" rtl="0">
+                <a:lnSpc>
+                  <a:spcPct val="90000"/>
+                </a:lnSpc>
+                <a:spcBef>
+                  <a:spcPts val="0"/>
+                </a:spcBef>
+                <a:spcAft>
+                  <a:spcPts val="0"/>
+                </a:spcAft>
+                <a:buClr>
+                  <a:schemeClr val="lt1"/>
+                </a:buClr>
+                <a:buSzPts val="4000"/>
+                <a:buFont typeface="Noto Sans Hebrew"/>
+                <a:buNone/>
+              </a:pPr>
+              <a:endParaRPr sz="1100" b="1" i="0" u="none" strike="noStrike" cap="none" dirty="0">
+                <a:solidFill>
+                  <a:srgbClr val="00DBE9"/>
+                </a:solidFill>
+                <a:latin typeface="Lexend Light" pitchFamily="2" charset="0"/>
+                <a:ea typeface="Lexend"/>
+                <a:cs typeface="Lexend"/>
+                <a:sym typeface="Lexend"/>
+              </a:endParaRPr>
+            </a:p>
+          </p:txBody>
+        </p:sp>
+        <p:grpSp>
+          <p:nvGrpSpPr>
+            <p:cNvPr id="28" name="Group 27">
+              <a:extLst>
+                <a:ext uri="{FF2B5EF4-FFF2-40B4-BE49-F238E27FC236}">
+                  <a16:creationId xmlns:a16="http://schemas.microsoft.com/office/drawing/2014/main" id="{60FDA890-33F8-40FC-59E2-9BD7B4CF4B60}"/>
+                </a:ext>
+              </a:extLst>
+            </p:cNvPr>
+            <p:cNvGrpSpPr/>
+            <p:nvPr/>
+          </p:nvGrpSpPr>
+          <p:grpSpPr>
+            <a:xfrm>
+              <a:off x="5196988" y="6503312"/>
+              <a:ext cx="1188416" cy="232818"/>
+              <a:chOff x="5196988" y="6503312"/>
+              <a:chExt cx="1188416" cy="232818"/>
+            </a:xfrm>
+          </p:grpSpPr>
+          <p:pic>
+            <p:nvPicPr>
+              <p:cNvPr id="29" name="Picture 28" descr="Icon&#10;&#10;Description automatically generated">
+                <a:hlinkClick r:id="rId4"/>
+                <a:extLst>
+                  <a:ext uri="{FF2B5EF4-FFF2-40B4-BE49-F238E27FC236}">
+                    <a16:creationId xmlns:a16="http://schemas.microsoft.com/office/drawing/2014/main" id="{64501E28-0CD7-BEAB-240F-3FE7691367B8}"/>
+                  </a:ext>
+                </a:extLst>
+              </p:cNvPr>
+              <p:cNvPicPr>
+                <a:picLocks noChangeAspect="1"/>
+              </p:cNvPicPr>
+              <p:nvPr/>
+            </p:nvPicPr>
+            <p:blipFill>
+              <a:blip r:embed="rId5"/>
+              <a:stretch>
+                <a:fillRect/>
+              </a:stretch>
+            </p:blipFill>
+            <p:spPr>
+              <a:xfrm>
+                <a:off x="5407162" y="6503312"/>
+                <a:ext cx="338919" cy="232817"/>
+              </a:xfrm>
+              <a:prstGeom prst="rect">
+                <a:avLst/>
+              </a:prstGeom>
+            </p:spPr>
+          </p:pic>
+          <p:pic>
+            <p:nvPicPr>
+              <p:cNvPr id="30" name="Picture 29" descr="Logo, icon&#10;&#10;Description automatically generated">
+                <a:hlinkClick r:id="rId6"/>
+                <a:extLst>
+                  <a:ext uri="{FF2B5EF4-FFF2-40B4-BE49-F238E27FC236}">
+                    <a16:creationId xmlns:a16="http://schemas.microsoft.com/office/drawing/2014/main" id="{4D899894-16A2-81DC-1AC3-0E3C481677CD}"/>
+                  </a:ext>
+                </a:extLst>
+              </p:cNvPr>
+              <p:cNvPicPr>
+                <a:picLocks noChangeAspect="1"/>
+              </p:cNvPicPr>
+              <p:nvPr/>
+            </p:nvPicPr>
+            <p:blipFill>
+              <a:blip r:embed="rId7"/>
+              <a:stretch>
+                <a:fillRect/>
+              </a:stretch>
+            </p:blipFill>
+            <p:spPr>
+              <a:xfrm>
+                <a:off x="5837917" y="6503313"/>
+                <a:ext cx="338919" cy="232817"/>
+              </a:xfrm>
+              <a:prstGeom prst="rect">
+                <a:avLst/>
+              </a:prstGeom>
+            </p:spPr>
+          </p:pic>
+          <p:pic>
+            <p:nvPicPr>
+              <p:cNvPr id="31" name="Picture 30" descr="Logo&#10;&#10;Description automatically generated">
+                <a:hlinkClick r:id="rId8"/>
+                <a:extLst>
+                  <a:ext uri="{FF2B5EF4-FFF2-40B4-BE49-F238E27FC236}">
+                    <a16:creationId xmlns:a16="http://schemas.microsoft.com/office/drawing/2014/main" id="{6DECAAD2-14ED-D62E-83E5-01D62FD73E58}"/>
+                  </a:ext>
+                </a:extLst>
+              </p:cNvPr>
+              <p:cNvPicPr>
+                <a:picLocks noChangeAspect="1"/>
+              </p:cNvPicPr>
+              <p:nvPr/>
+            </p:nvPicPr>
+            <p:blipFill>
+              <a:blip r:embed="rId9"/>
+              <a:stretch>
+                <a:fillRect/>
+              </a:stretch>
+            </p:blipFill>
+            <p:spPr>
+              <a:xfrm>
+                <a:off x="6046485" y="6503313"/>
+                <a:ext cx="338919" cy="232817"/>
+              </a:xfrm>
+              <a:prstGeom prst="rect">
+                <a:avLst/>
+              </a:prstGeom>
+            </p:spPr>
+          </p:pic>
+          <p:pic>
+            <p:nvPicPr>
+              <p:cNvPr id="32" name="Picture 31" descr="Icon&#10;&#10;Description automatically generated">
+                <a:hlinkClick r:id="rId10"/>
+                <a:extLst>
+                  <a:ext uri="{FF2B5EF4-FFF2-40B4-BE49-F238E27FC236}">
+                    <a16:creationId xmlns:a16="http://schemas.microsoft.com/office/drawing/2014/main" id="{DC102836-817A-8573-C7AB-C2724E6E5F1C}"/>
+                  </a:ext>
+                </a:extLst>
+              </p:cNvPr>
+              <p:cNvPicPr>
+                <a:picLocks noChangeAspect="1"/>
+              </p:cNvPicPr>
+              <p:nvPr/>
+            </p:nvPicPr>
+            <p:blipFill>
+              <a:blip r:embed="rId11"/>
+              <a:stretch>
+                <a:fillRect/>
+              </a:stretch>
+            </p:blipFill>
+            <p:spPr>
+              <a:xfrm>
+                <a:off x="5196988" y="6503312"/>
+                <a:ext cx="338919" cy="232817"/>
+              </a:xfrm>
+              <a:prstGeom prst="rect">
+                <a:avLst/>
+              </a:prstGeom>
+            </p:spPr>
+          </p:pic>
+          <p:pic>
+            <p:nvPicPr>
+              <p:cNvPr id="33" name="Picture 32" descr="Icon&#10;&#10;Description automatically generated">
+                <a:hlinkClick r:id="rId12"/>
+                <a:extLst>
+                  <a:ext uri="{FF2B5EF4-FFF2-40B4-BE49-F238E27FC236}">
+                    <a16:creationId xmlns:a16="http://schemas.microsoft.com/office/drawing/2014/main" id="{F46B6109-4740-9E76-5C84-B96F79785CAF}"/>
+                  </a:ext>
+                </a:extLst>
+              </p:cNvPr>
+              <p:cNvPicPr>
+                <a:picLocks noChangeAspect="1"/>
+              </p:cNvPicPr>
+              <p:nvPr/>
+            </p:nvPicPr>
+            <p:blipFill>
+              <a:blip r:embed="rId13"/>
+              <a:stretch>
+                <a:fillRect/>
+              </a:stretch>
+            </p:blipFill>
+            <p:spPr>
+              <a:xfrm>
+                <a:off x="5626137" y="6503312"/>
+                <a:ext cx="338919" cy="232817"/>
+              </a:xfrm>
+              <a:prstGeom prst="rect">
+                <a:avLst/>
+              </a:prstGeom>
+            </p:spPr>
+          </p:pic>
+        </p:grpSp>
+      </p:grpSp>
     </p:spTree>
-    <p:extLst>
-      <p:ext uri="{BB962C8B-B14F-4D97-AF65-F5344CB8AC3E}">
-        <p14:creationId xmlns:p14="http://schemas.microsoft.com/office/powerpoint/2010/main" val="2844620833"/>
-      </p:ext>
-    </p:extLst>
   </p:cSld>
   <p:clrMapOvr>
     <a:masterClrMapping/>
   </p:clrMapOvr>
+  <mc:AlternateContent xmlns:mc="http://schemas.openxmlformats.org/markup-compatibility/2006" xmlns:p14="http://schemas.microsoft.com/office/powerpoint/2010/main">
+    <mc:Choice Requires="p14">
+      <p:transition spd="slow" p14:dur="2000" advTm="2283"/>
+    </mc:Choice>
+    <mc:Fallback xmlns="">
+      <p:transition spd="slow" advTm="2283"/>
+    </mc:Fallback>
+  </mc:AlternateContent>
 </p:sld>
 </file>
 
 <file path=ppt/slides/slide10.xml><?xml version="1.0" encoding="utf-8"?>
 <p:sld xmlns:a="http://schemas.openxmlformats.org/drawingml/2006/main" xmlns:r="http://schemas.openxmlformats.org/officeDocument/2006/relationships" xmlns:p="http://schemas.openxmlformats.org/presentationml/2006/main">
   <p:cSld>
+    <p:bg>
+      <p:bgPr>
+        <a:blipFill dpi="0" rotWithShape="1">
+          <a:blip r:embed="rId3">
+            <a:lum/>
+          </a:blip>
+          <a:srcRect/>
+          <a:stretch>
+            <a:fillRect/>
+          </a:stretch>
+        </a:blipFill>
+        <a:effectLst/>
+      </p:bgPr>
+    </p:bg>
     <p:spTree>
       <p:nvGrpSpPr>
         <p:cNvPr id="1" name=""/>
@@ -6448,17 +6766,20 @@
           <a:lstStyle/>
           <a:p>
             <a:r>
-              <a:rPr lang="en-US" b="0" i="0" dirty="0">
-                <a:solidFill>
-                  <a:srgbClr val="000000"/>
+              <a:rPr lang="en-US" b="1" i="0" dirty="0">
+                <a:solidFill>
+                  <a:srgbClr val="0071F6"/>
                 </a:solidFill>
                 <a:effectLst/>
-                <a:latin typeface="+mn-lt"/>
+                <a:latin typeface="Lexend" panose="020B0604020202020204"/>
               </a:rPr>
               <a:t>Using a Requirements File:</a:t>
             </a:r>
-            <a:endParaRPr lang="en-US" dirty="0">
-              <a:latin typeface="+mn-lt"/>
+            <a:endParaRPr lang="en-US" b="1" dirty="0">
+              <a:solidFill>
+                <a:srgbClr val="0071F6"/>
+              </a:solidFill>
+              <a:latin typeface="Lexend" panose="020B0604020202020204"/>
               <a:cs typeface="Calibri" panose="020F0502020204030204" pitchFamily="34" charset="0"/>
             </a:endParaRPr>
           </a:p>
@@ -6498,6 +6819,7 @@
                   <a:srgbClr val="000000"/>
                 </a:solidFill>
                 <a:effectLst/>
+                <a:latin typeface="Lexend Light"/>
               </a:rPr>
               <a:t>To handle a project with multiple dependencies, it's recommended to use a requirements file. Create a file called "requirements.txt" and list all the required packages inside it. Then, you can use the following command to package the script:</a:t>
             </a:r>
@@ -6507,6 +6829,7 @@
               <a:solidFill>
                 <a:srgbClr val="000000"/>
               </a:solidFill>
+              <a:latin typeface="Lexend Light"/>
               <a:cs typeface="Calibri" panose="020F0502020204030204" pitchFamily="34" charset="0"/>
             </a:endParaRPr>
           </a:p>
@@ -6515,17 +6838,20 @@
               <a:solidFill>
                 <a:srgbClr val="000000"/>
               </a:solidFill>
+              <a:latin typeface="Lexend Light"/>
               <a:cs typeface="Calibri" panose="020F0502020204030204" pitchFamily="34" charset="0"/>
             </a:endParaRPr>
           </a:p>
           <a:p>
             <a:r>
               <a:rPr lang="en-US" sz="3200" dirty="0">
+                <a:latin typeface="Lexend Light"/>
                 <a:cs typeface="Calibri" panose="020F0502020204030204" pitchFamily="34" charset="0"/>
               </a:rPr>
               <a:t>This command dynamically reads the requirements file and includes all the specified packages as hidden imports.</a:t>
             </a:r>
             <a:endParaRPr lang="en-GB" sz="3200" dirty="0">
+              <a:latin typeface="Lexend Light"/>
               <a:cs typeface="Calibri" panose="020F0502020204030204" pitchFamily="34" charset="0"/>
             </a:endParaRPr>
           </a:p>
@@ -6547,7 +6873,7 @@
         </p:nvSpPr>
         <p:spPr bwMode="auto">
           <a:xfrm>
-            <a:off x="838200" y="4376238"/>
+            <a:off x="913660" y="4269706"/>
             <a:ext cx="10440140" cy="369332"/>
           </a:xfrm>
           <a:prstGeom prst="rect">
@@ -6766,6 +7092,20 @@
 <file path=ppt/slides/slide11.xml><?xml version="1.0" encoding="utf-8"?>
 <p:sld xmlns:a="http://schemas.openxmlformats.org/drawingml/2006/main" xmlns:r="http://schemas.openxmlformats.org/officeDocument/2006/relationships" xmlns:p="http://schemas.openxmlformats.org/presentationml/2006/main">
   <p:cSld>
+    <p:bg>
+      <p:bgPr>
+        <a:blipFill dpi="0" rotWithShape="1">
+          <a:blip r:embed="rId3">
+            <a:lum/>
+          </a:blip>
+          <a:srcRect/>
+          <a:stretch>
+            <a:fillRect/>
+          </a:stretch>
+        </a:blipFill>
+        <a:effectLst/>
+      </p:bgPr>
+    </p:bg>
     <p:spTree>
       <p:nvGrpSpPr>
         <p:cNvPr id="1" name=""/>
@@ -6798,17 +7138,20 @@
           <a:lstStyle/>
           <a:p>
             <a:r>
-              <a:rPr lang="en-US" b="0" i="0" dirty="0">
-                <a:solidFill>
-                  <a:srgbClr val="000000"/>
+              <a:rPr lang="en-US" b="1" i="0" dirty="0">
+                <a:solidFill>
+                  <a:srgbClr val="0071F6"/>
                 </a:solidFill>
                 <a:effectLst/>
-                <a:latin typeface="+mn-lt"/>
+                <a:latin typeface="Lexend" panose="020B0604020202020204"/>
               </a:rPr>
               <a:t>Conclusion:</a:t>
             </a:r>
-            <a:endParaRPr lang="en-US" dirty="0">
-              <a:latin typeface="+mn-lt"/>
+            <a:endParaRPr lang="en-US" b="1" dirty="0">
+              <a:solidFill>
+                <a:srgbClr val="0071F6"/>
+              </a:solidFill>
+              <a:latin typeface="Lexend" panose="020B0604020202020204"/>
               <a:cs typeface="Calibri" panose="020F0502020204030204" pitchFamily="34" charset="0"/>
             </a:endParaRPr>
           </a:p>
@@ -6852,6 +7195,7 @@
                   <a:srgbClr val="000000"/>
                 </a:solidFill>
                 <a:effectLst/>
+                <a:latin typeface="Lexend Light"/>
               </a:rPr>
               <a:t>Python containers/encapsulation allows you to package your Python code and its dependencies into a single executable file. Using tools like </a:t>
             </a:r>
@@ -6861,6 +7205,7 @@
                   <a:srgbClr val="000000"/>
                 </a:solidFill>
                 <a:effectLst/>
+                <a:latin typeface="Lexend Light"/>
               </a:rPr>
               <a:t>PyInstaller</a:t>
             </a:r>
@@ -6870,6 +7215,7 @@
                   <a:srgbClr val="000000"/>
                 </a:solidFill>
                 <a:effectLst/>
+                <a:latin typeface="Lexend Light"/>
               </a:rPr>
               <a:t>, you can create standalone applications that can be executed on client computers without the need to install additional packages. This approach simplifies the deployment process and ensures the consistency of your Python applications across different environments. By mastering this technique, you can easily distribute your Python projects and empower others to run your code hassle-free.</a:t>
             </a:r>
@@ -6878,6 +7224,7 @@
                 <a:srgbClr val="000000"/>
               </a:solidFill>
               <a:effectLst/>
+              <a:latin typeface="Lexend Light"/>
             </a:endParaRPr>
           </a:p>
         </p:txBody>
@@ -6898,6 +7245,20 @@
 <file path=ppt/slides/slide12.xml><?xml version="1.0" encoding="utf-8"?>
 <p:sld xmlns:a="http://schemas.openxmlformats.org/drawingml/2006/main" xmlns:r="http://schemas.openxmlformats.org/officeDocument/2006/relationships" xmlns:p="http://schemas.openxmlformats.org/presentationml/2006/main">
   <p:cSld>
+    <p:bg>
+      <p:bgPr>
+        <a:blipFill dpi="0" rotWithShape="1">
+          <a:blip r:embed="rId2">
+            <a:lum/>
+          </a:blip>
+          <a:srcRect/>
+          <a:stretch>
+            <a:fillRect/>
+          </a:stretch>
+        </a:blipFill>
+        <a:effectLst/>
+      </p:bgPr>
+    </p:bg>
     <p:spTree>
       <p:nvGrpSpPr>
         <p:cNvPr id="1" name=""/>
@@ -6928,6 +7289,20 @@
 <file path=ppt/slides/slide2.xml><?xml version="1.0" encoding="utf-8"?>
 <p:sld xmlns:a="http://schemas.openxmlformats.org/drawingml/2006/main" xmlns:r="http://schemas.openxmlformats.org/officeDocument/2006/relationships" xmlns:p="http://schemas.openxmlformats.org/presentationml/2006/main">
   <p:cSld>
+    <p:bg>
+      <p:bgPr>
+        <a:blipFill dpi="0" rotWithShape="1">
+          <a:blip r:embed="rId2">
+            <a:lum/>
+          </a:blip>
+          <a:srcRect/>
+          <a:stretch>
+            <a:fillRect/>
+          </a:stretch>
+        </a:blipFill>
+        <a:effectLst/>
+      </p:bgPr>
+    </p:bg>
     <p:spTree>
       <p:nvGrpSpPr>
         <p:cNvPr id="1" name=""/>
@@ -6976,7 +7351,7 @@
                   <a:srgbClr val="000000"/>
                 </a:solidFill>
                 <a:effectLst/>
-                <a:latin typeface="+mn-lt"/>
+                <a:latin typeface="Lexend Light"/>
               </a:rPr>
               <a:t>Python is a powerful programming language widely used for various purposes, from web development to scientific computing. When working on Python projects, it's common to utilize external libraries and packages to enhance functionality. However, deploying Python code on a client computer often requires installing these packages, which can be cumbersome. In such cases, Python containers and encapsulation provide an effective solution by packaging all the necessary code and dependencies into a single executable file. This tutorial will explain how to achieve this goal and provide code examples to help you understand the concept better.</a:t>
             </a:r>
@@ -6999,10 +7374,20 @@
           <a:lstStyle/>
           <a:p>
             <a:r>
-              <a:rPr lang="en-US" dirty="0"/>
+              <a:rPr lang="en-US" b="1" dirty="0">
+                <a:solidFill>
+                  <a:srgbClr val="0071F6"/>
+                </a:solidFill>
+                <a:latin typeface="Lexend" panose="020B0604020202020204"/>
+              </a:rPr>
               <a:t>Introduction</a:t>
             </a:r>
-            <a:endParaRPr lang="he-IL" dirty="0"/>
+            <a:endParaRPr lang="he-IL" b="1" dirty="0">
+              <a:solidFill>
+                <a:srgbClr val="0071F6"/>
+              </a:solidFill>
+              <a:latin typeface="Lexend" panose="020B0604020202020204"/>
+            </a:endParaRPr>
           </a:p>
         </p:txBody>
       </p:sp>
@@ -7022,6 +7407,20 @@
 <file path=ppt/slides/slide3.xml><?xml version="1.0" encoding="utf-8"?>
 <p:sld xmlns:a="http://schemas.openxmlformats.org/drawingml/2006/main" xmlns:r="http://schemas.openxmlformats.org/officeDocument/2006/relationships" xmlns:p="http://schemas.openxmlformats.org/presentationml/2006/main">
   <p:cSld>
+    <p:bg>
+      <p:bgPr>
+        <a:blipFill dpi="0" rotWithShape="1">
+          <a:blip r:embed="rId3">
+            <a:lum/>
+          </a:blip>
+          <a:srcRect/>
+          <a:stretch>
+            <a:fillRect/>
+          </a:stretch>
+        </a:blipFill>
+        <a:effectLst/>
+      </p:bgPr>
+    </p:bg>
     <p:spTree>
       <p:nvGrpSpPr>
         <p:cNvPr id="1" name=""/>
@@ -7052,13 +7451,19 @@
           <a:lstStyle/>
           <a:p>
             <a:r>
-              <a:rPr lang="en-US" dirty="0">
-                <a:latin typeface="+mn-lt"/>
+              <a:rPr lang="en-US" b="1" dirty="0">
+                <a:solidFill>
+                  <a:srgbClr val="0071F6"/>
+                </a:solidFill>
+                <a:latin typeface="Lexend" panose="020B0604020202020204"/>
               </a:rPr>
               <a:t>What are Python Containers/Encapsulation?</a:t>
             </a:r>
-            <a:endParaRPr lang="he-IL" dirty="0">
-              <a:latin typeface="+mn-lt"/>
+            <a:endParaRPr lang="he-IL" b="1" dirty="0">
+              <a:solidFill>
+                <a:srgbClr val="0071F6"/>
+              </a:solidFill>
+              <a:latin typeface="Lexend" panose="020B0604020202020204"/>
             </a:endParaRPr>
           </a:p>
         </p:txBody>
@@ -7087,19 +7492,21 @@
           <a:p>
             <a:pPr fontAlgn="base"/>
             <a:r>
-              <a:rPr lang="en-US" b="0" i="0" dirty="0">
+              <a:rPr lang="en-US" i="0" dirty="0">
                 <a:solidFill>
                   <a:srgbClr val="000000"/>
                 </a:solidFill>
                 <a:effectLst/>
+                <a:latin typeface="Lexend Light"/>
               </a:rPr>
               <a:t>Python containers/encapsulation is the process of bundling all the required Python code, along with its dependencies, into a single executable file. This self-contained package allows you to distribute and run your Python application on any client computer without worrying about installing additional packages or libraries. It ensures that the application runs consistently regardless of the underlying system's configuration.</a:t>
             </a:r>
-            <a:endParaRPr lang="ru-RU" b="0" i="0" dirty="0">
+            <a:endParaRPr lang="ru-RU" i="0" dirty="0">
               <a:solidFill>
                 <a:srgbClr val="000000"/>
               </a:solidFill>
               <a:effectLst/>
+              <a:latin typeface="Lexend Light"/>
             </a:endParaRPr>
           </a:p>
         </p:txBody>
@@ -7120,6 +7527,20 @@
 <file path=ppt/slides/slide4.xml><?xml version="1.0" encoding="utf-8"?>
 <p:sld xmlns:a="http://schemas.openxmlformats.org/drawingml/2006/main" xmlns:r="http://schemas.openxmlformats.org/officeDocument/2006/relationships" xmlns:p="http://schemas.openxmlformats.org/presentationml/2006/main">
   <p:cSld>
+    <p:bg>
+      <p:bgPr>
+        <a:blipFill dpi="0" rotWithShape="1">
+          <a:blip r:embed="rId3">
+            <a:lum/>
+          </a:blip>
+          <a:srcRect/>
+          <a:stretch>
+            <a:fillRect/>
+          </a:stretch>
+        </a:blipFill>
+        <a:effectLst/>
+      </p:bgPr>
+    </p:bg>
     <p:spTree>
       <p:nvGrpSpPr>
         <p:cNvPr id="1" name=""/>
@@ -7152,36 +7573,41 @@
           <a:lstStyle/>
           <a:p>
             <a:r>
-              <a:rPr lang="en-US" b="0" i="0" dirty="0">
-                <a:solidFill>
-                  <a:srgbClr val="000000"/>
+              <a:rPr lang="en-US" b="1" i="0" dirty="0">
+                <a:solidFill>
+                  <a:srgbClr val="0071F6"/>
                 </a:solidFill>
                 <a:effectLst/>
-                <a:latin typeface="+mn-lt"/>
+                <a:latin typeface="Lexend" panose="020B0604020202020204"/>
               </a:rPr>
               <a:t>Using </a:t>
             </a:r>
             <a:r>
-              <a:rPr lang="en-US" b="0" i="0" dirty="0" err="1">
-                <a:solidFill>
-                  <a:srgbClr val="000000"/>
+              <a:rPr lang="en-US" b="1" i="0" dirty="0" err="1">
+                <a:solidFill>
+                  <a:srgbClr val="0071F6"/>
                 </a:solidFill>
                 <a:effectLst/>
-                <a:latin typeface="+mn-lt"/>
+                <a:latin typeface="Lexend" panose="020B0604020202020204"/>
               </a:rPr>
               <a:t>PyInstaller</a:t>
             </a:r>
             <a:r>
-              <a:rPr lang="en-US" b="0" i="0" dirty="0">
-                <a:solidFill>
-                  <a:srgbClr val="000000"/>
+              <a:rPr lang="en-US" b="1" i="0" dirty="0">
+                <a:solidFill>
+                  <a:srgbClr val="0071F6"/>
                 </a:solidFill>
                 <a:effectLst/>
-                <a:latin typeface="+mn-lt"/>
+                <a:latin typeface="Lexend" panose="020B0604020202020204"/>
               </a:rPr>
               <a:t> for Packaging:</a:t>
             </a:r>
-            <a:endParaRPr lang="he-IL" dirty="0"/>
+            <a:endParaRPr lang="he-IL" b="1" dirty="0">
+              <a:solidFill>
+                <a:srgbClr val="0071F6"/>
+              </a:solidFill>
+              <a:latin typeface="Lexend" panose="020B0604020202020204"/>
+            </a:endParaRPr>
           </a:p>
         </p:txBody>
       </p:sp>
@@ -7216,6 +7642,7 @@
                   <a:srgbClr val="000000"/>
                 </a:solidFill>
                 <a:effectLst/>
+                <a:latin typeface="Lexend Light"/>
               </a:rPr>
               <a:t>One popular tool for creating Python containers is </a:t>
             </a:r>
@@ -7225,6 +7652,7 @@
                   <a:srgbClr val="000000"/>
                 </a:solidFill>
                 <a:effectLst/>
+                <a:latin typeface="Lexend Light"/>
               </a:rPr>
               <a:t>PyInstaller</a:t>
             </a:r>
@@ -7234,6 +7662,7 @@
                   <a:srgbClr val="000000"/>
                 </a:solidFill>
                 <a:effectLst/>
+                <a:latin typeface="Lexend Light"/>
               </a:rPr>
               <a:t>. It allows you to convert Python scripts into standalone executables. To demonstrate this, let's assume you have a Python script called "my_script.py" that relies on external packages such as </a:t>
             </a:r>
@@ -7243,6 +7672,7 @@
                   <a:srgbClr val="000000"/>
                 </a:solidFill>
                 <a:effectLst/>
+                <a:latin typeface="Lexend Light"/>
               </a:rPr>
               <a:t>numpy</a:t>
             </a:r>
@@ -7252,6 +7682,7 @@
                   <a:srgbClr val="000000"/>
                 </a:solidFill>
                 <a:effectLst/>
+                <a:latin typeface="Lexend Light"/>
               </a:rPr>
               <a:t> and matplotlib.</a:t>
             </a:r>
@@ -7259,6 +7690,7 @@
               <a:solidFill>
                 <a:srgbClr val="000000"/>
               </a:solidFill>
+              <a:latin typeface="Lexend Light"/>
             </a:endParaRPr>
           </a:p>
         </p:txBody>
@@ -7279,6 +7711,20 @@
 <file path=ppt/slides/slide5.xml><?xml version="1.0" encoding="utf-8"?>
 <p:sld xmlns:a="http://schemas.openxmlformats.org/drawingml/2006/main" xmlns:r="http://schemas.openxmlformats.org/officeDocument/2006/relationships" xmlns:p="http://schemas.openxmlformats.org/presentationml/2006/main">
   <p:cSld>
+    <p:bg>
+      <p:bgPr>
+        <a:blipFill dpi="0" rotWithShape="1">
+          <a:blip r:embed="rId2">
+            <a:lum/>
+          </a:blip>
+          <a:srcRect/>
+          <a:stretch>
+            <a:fillRect/>
+          </a:stretch>
+        </a:blipFill>
+        <a:effectLst/>
+      </p:bgPr>
+    </p:bg>
     <p:spTree>
       <p:nvGrpSpPr>
         <p:cNvPr id="1" name=""/>
@@ -7316,27 +7762,30 @@
           <a:lstStyle/>
           <a:p>
             <a:r>
-              <a:rPr lang="en-US" b="0" i="0" dirty="0">
-                <a:solidFill>
-                  <a:srgbClr val="000000"/>
+              <a:rPr lang="en-US" b="1" i="0" dirty="0">
+                <a:solidFill>
+                  <a:srgbClr val="0071F6"/>
                 </a:solidFill>
                 <a:effectLst/>
-                <a:latin typeface="+mn-lt"/>
+                <a:latin typeface="Lexend" panose="020B0604020202020204"/>
               </a:rPr>
               <a:t>Install </a:t>
             </a:r>
             <a:r>
-              <a:rPr lang="en-US" b="0" i="0" dirty="0" err="1">
-                <a:solidFill>
-                  <a:srgbClr val="000000"/>
+              <a:rPr lang="en-US" b="1" i="0" dirty="0" err="1">
+                <a:solidFill>
+                  <a:srgbClr val="0071F6"/>
                 </a:solidFill>
                 <a:effectLst/>
-                <a:latin typeface="+mn-lt"/>
+                <a:latin typeface="Lexend" panose="020B0604020202020204"/>
               </a:rPr>
               <a:t>PyInstaller</a:t>
             </a:r>
-            <a:endParaRPr lang="he-IL" dirty="0">
-              <a:latin typeface="+mn-lt"/>
+            <a:endParaRPr lang="he-IL" b="1" dirty="0">
+              <a:solidFill>
+                <a:srgbClr val="0071F6"/>
+              </a:solidFill>
+              <a:latin typeface="Lexend" panose="020B0604020202020204"/>
             </a:endParaRPr>
           </a:p>
         </p:txBody>
@@ -7370,18 +7819,26 @@
           <a:lstStyle/>
           <a:p>
             <a:r>
-              <a:rPr lang="en-US" sz="2400" dirty="0"/>
+              <a:rPr lang="en-US" sz="2400" dirty="0">
+                <a:latin typeface="Lexend Light"/>
+              </a:rPr>
               <a:t>To begin, you need to install </a:t>
             </a:r>
             <a:r>
-              <a:rPr lang="en-US" sz="2400" dirty="0" err="1"/>
+              <a:rPr lang="en-US" sz="2400" dirty="0" err="1">
+                <a:latin typeface="Lexend Light"/>
+              </a:rPr>
               <a:t>PyInstaller</a:t>
             </a:r>
             <a:r>
-              <a:rPr lang="en-US" sz="2400" dirty="0"/>
+              <a:rPr lang="en-US" sz="2400" dirty="0">
+                <a:latin typeface="Lexend Light"/>
+              </a:rPr>
               <a:t>. Open your command prompt or terminal and run the following command:</a:t>
             </a:r>
-            <a:endParaRPr lang="he-IL" sz="2400" dirty="0"/>
+            <a:endParaRPr lang="he-IL" sz="2400" dirty="0">
+              <a:latin typeface="Lexend Light"/>
+            </a:endParaRPr>
           </a:p>
         </p:txBody>
       </p:sp>
@@ -7515,7 +7972,7 @@
           <p:nvPr/>
         </p:nvPicPr>
         <p:blipFill>
-          <a:blip r:embed="rId2">
+          <a:blip r:embed="rId3">
             <a:extLst>
               <a:ext uri="{28A0092B-C50C-407E-A947-70E740481C1C}">
                 <a14:useLocalDpi xmlns:a14="http://schemas.microsoft.com/office/drawing/2010/main" val="0"/>
@@ -7563,6 +8020,20 @@
 <file path=ppt/slides/slide6.xml><?xml version="1.0" encoding="utf-8"?>
 <p:sld xmlns:a="http://schemas.openxmlformats.org/drawingml/2006/main" xmlns:r="http://schemas.openxmlformats.org/officeDocument/2006/relationships" xmlns:p="http://schemas.openxmlformats.org/presentationml/2006/main">
   <p:cSld>
+    <p:bg>
+      <p:bgPr>
+        <a:blipFill dpi="0" rotWithShape="1">
+          <a:blip r:embed="rId2">
+            <a:lum/>
+          </a:blip>
+          <a:srcRect/>
+          <a:stretch>
+            <a:fillRect/>
+          </a:stretch>
+        </a:blipFill>
+        <a:effectLst/>
+      </p:bgPr>
+    </p:bg>
     <p:spTree>
       <p:nvGrpSpPr>
         <p:cNvPr id="1" name=""/>
@@ -7595,23 +8066,26 @@
         </p:nvSpPr>
         <p:spPr>
           <a:xfrm>
-            <a:off x="730486" y="15276"/>
-            <a:ext cx="10515600" cy="1325563"/>
+            <a:off x="730486" y="756064"/>
+            <a:ext cx="10515600" cy="584775"/>
           </a:xfrm>
         </p:spPr>
         <p:txBody>
-          <a:bodyPr/>
+          <a:bodyPr>
+            <a:normAutofit fontScale="90000"/>
+          </a:bodyPr>
           <a:lstStyle/>
           <a:p>
             <a:pPr marL="0" indent="0">
               <a:buNone/>
             </a:pPr>
             <a:r>
-              <a:rPr lang="en-US" b="0" i="0" dirty="0">
-                <a:solidFill>
-                  <a:srgbClr val="000000"/>
+              <a:rPr lang="en-US" b="1" i="0" dirty="0">
+                <a:solidFill>
+                  <a:srgbClr val="0071F6"/>
                 </a:solidFill>
                 <a:effectLst/>
+                <a:latin typeface="Lexend" panose="020B0604020202020204"/>
               </a:rPr>
               <a:t>Packaging the Script:</a:t>
             </a:r>
@@ -7654,6 +8128,7 @@
                 <a:solidFill>
                   <a:srgbClr val="000000"/>
                 </a:solidFill>
+                <a:latin typeface="Lexend Light"/>
               </a:rPr>
               <a:t>Once </a:t>
             </a:r>
@@ -7662,6 +8137,7 @@
                 <a:solidFill>
                   <a:srgbClr val="000000"/>
                 </a:solidFill>
+                <a:latin typeface="Lexend Light"/>
               </a:rPr>
               <a:t>PyInstaller</a:t>
             </a:r>
@@ -7670,10 +8146,12 @@
                 <a:solidFill>
                   <a:srgbClr val="000000"/>
                 </a:solidFill>
+                <a:latin typeface="Lexend Light"/>
               </a:rPr>
               <a:t> is installed, navigate to the directory where your Python script is located and execute the following command:</a:t>
             </a:r>
             <a:endParaRPr lang="he-IL" i="1" dirty="0">
+              <a:latin typeface="Lexend Light"/>
               <a:cs typeface="Calibri" panose="020F0502020204030204" pitchFamily="34" charset="0"/>
             </a:endParaRPr>
           </a:p>
@@ -7810,6 +8288,20 @@
 <file path=ppt/slides/slide7.xml><?xml version="1.0" encoding="utf-8"?>
 <p:sld xmlns:a="http://schemas.openxmlformats.org/drawingml/2006/main" xmlns:r="http://schemas.openxmlformats.org/officeDocument/2006/relationships" xmlns:p="http://schemas.openxmlformats.org/presentationml/2006/main">
   <p:cSld>
+    <p:bg>
+      <p:bgPr>
+        <a:blipFill dpi="0" rotWithShape="1">
+          <a:blip r:embed="rId3">
+            <a:lum/>
+          </a:blip>
+          <a:srcRect/>
+          <a:stretch>
+            <a:fillRect/>
+          </a:stretch>
+        </a:blipFill>
+        <a:effectLst/>
+      </p:bgPr>
+    </p:bg>
     <p:spTree>
       <p:nvGrpSpPr>
         <p:cNvPr id="1" name=""/>
@@ -7845,11 +8337,12 @@
               <a:buNone/>
             </a:pPr>
             <a:r>
-              <a:rPr lang="en-US" b="0" i="0" dirty="0">
-                <a:solidFill>
-                  <a:srgbClr val="000000"/>
+              <a:rPr lang="en-US" b="1" i="0" dirty="0">
+                <a:solidFill>
+                  <a:srgbClr val="0071F6"/>
                 </a:solidFill>
                 <a:effectLst/>
+                <a:latin typeface="Lexend" panose="020B0604020202020204"/>
               </a:rPr>
               <a:t>Executing the Packaged Application:</a:t>
             </a:r>
@@ -7878,30 +8371,35 @@
             </a:pPr>
             <a:r>
               <a:rPr lang="en-US" dirty="0">
+                <a:latin typeface="Lexend Light"/>
                 <a:cs typeface="Calibri" panose="020F0502020204030204" pitchFamily="34" charset="0"/>
               </a:rPr>
               <a:t>After the packaging process is complete, you'll find a new "</a:t>
             </a:r>
             <a:r>
               <a:rPr lang="en-US" dirty="0" err="1">
+                <a:latin typeface="Lexend Light"/>
                 <a:cs typeface="Calibri" panose="020F0502020204030204" pitchFamily="34" charset="0"/>
               </a:rPr>
               <a:t>dist</a:t>
             </a:r>
             <a:r>
               <a:rPr lang="en-US" dirty="0">
+                <a:latin typeface="Lexend Light"/>
                 <a:cs typeface="Calibri" panose="020F0502020204030204" pitchFamily="34" charset="0"/>
               </a:rPr>
               <a:t>" directory created by </a:t>
             </a:r>
             <a:r>
               <a:rPr lang="en-US" dirty="0" err="1">
+                <a:latin typeface="Lexend Light"/>
                 <a:cs typeface="Calibri" panose="020F0502020204030204" pitchFamily="34" charset="0"/>
               </a:rPr>
               <a:t>PyInstaller</a:t>
             </a:r>
             <a:r>
               <a:rPr lang="en-US" dirty="0">
+                <a:latin typeface="Lexend Light"/>
                 <a:cs typeface="Calibri" panose="020F0502020204030204" pitchFamily="34" charset="0"/>
               </a:rPr>
               <a:t>. Inside this directory, you'll find the standalone executable file corresponding to your Python script. This file can now be distributed and run on any client computer without requiring the installation of additional packages.</a:t>
@@ -7925,6 +8423,20 @@
 <file path=ppt/slides/slide8.xml><?xml version="1.0" encoding="utf-8"?>
 <p:sld xmlns:a="http://schemas.openxmlformats.org/drawingml/2006/main" xmlns:r="http://schemas.openxmlformats.org/officeDocument/2006/relationships" xmlns:p="http://schemas.openxmlformats.org/presentationml/2006/main">
   <p:cSld>
+    <p:bg>
+      <p:bgPr>
+        <a:blipFill dpi="0" rotWithShape="1">
+          <a:blip r:embed="rId3">
+            <a:lum/>
+          </a:blip>
+          <a:srcRect/>
+          <a:stretch>
+            <a:fillRect/>
+          </a:stretch>
+        </a:blipFill>
+        <a:effectLst/>
+      </p:bgPr>
+    </p:bg>
     <p:spTree>
       <p:nvGrpSpPr>
         <p:cNvPr id="1" name=""/>
@@ -7957,12 +8469,12 @@
           <a:lstStyle/>
           <a:p>
             <a:r>
-              <a:rPr lang="en-US" i="0" dirty="0">
-                <a:solidFill>
-                  <a:srgbClr val="242424"/>
+              <a:rPr lang="en-US" b="1" i="0" dirty="0">
+                <a:solidFill>
+                  <a:srgbClr val="0071F6"/>
                 </a:solidFill>
                 <a:effectLst/>
-                <a:latin typeface="+mn-lt"/>
+                <a:latin typeface="Lexend" panose="020B0604020202020204"/>
               </a:rPr>
               <a:t>Handling Package Dependencies:</a:t>
             </a:r>
@@ -7992,6 +8504,7 @@
                   <a:srgbClr val="000000"/>
                 </a:solidFill>
                 <a:effectLst/>
+                <a:latin typeface="Lexend Light"/>
               </a:rPr>
               <a:t>When packaging a Python application with external dependencies, it's essential to ensure that all required packages are included in the container. </a:t>
             </a:r>
@@ -8001,6 +8514,7 @@
                   <a:srgbClr val="000000"/>
                 </a:solidFill>
                 <a:effectLst/>
+                <a:latin typeface="Lexend Light"/>
               </a:rPr>
               <a:t>PyInstaller</a:t>
             </a:r>
@@ -8010,10 +8524,12 @@
                   <a:srgbClr val="000000"/>
                 </a:solidFill>
                 <a:effectLst/>
+                <a:latin typeface="Lexend Light"/>
               </a:rPr>
               <a:t> automatically detects and bundles most dependencies; however, there might be cases where you need to explicitly specify additional packages or handle specific scenarios.</a:t>
             </a:r>
             <a:endParaRPr lang="en-US" sz="2400" dirty="0">
+              <a:latin typeface="Lexend Light"/>
               <a:cs typeface="Calibri" panose="020F0502020204030204" pitchFamily="34" charset="0"/>
             </a:endParaRPr>
           </a:p>
@@ -8035,6 +8551,20 @@
 <file path=ppt/slides/slide9.xml><?xml version="1.0" encoding="utf-8"?>
 <p:sld xmlns:a="http://schemas.openxmlformats.org/drawingml/2006/main" xmlns:r="http://schemas.openxmlformats.org/officeDocument/2006/relationships" xmlns:p="http://schemas.openxmlformats.org/presentationml/2006/main">
   <p:cSld>
+    <p:bg>
+      <p:bgPr>
+        <a:blipFill dpi="0" rotWithShape="1">
+          <a:blip r:embed="rId3">
+            <a:lum/>
+          </a:blip>
+          <a:srcRect/>
+          <a:stretch>
+            <a:fillRect/>
+          </a:stretch>
+        </a:blipFill>
+        <a:effectLst/>
+      </p:bgPr>
+    </p:bg>
     <p:spTree>
       <p:nvGrpSpPr>
         <p:cNvPr id="1" name=""/>
@@ -8067,8 +8597,11 @@
           <a:lstStyle/>
           <a:p>
             <a:r>
-              <a:rPr lang="en-US" dirty="0">
-                <a:latin typeface="+mn-lt"/>
+              <a:rPr lang="en-US" b="1" dirty="0">
+                <a:solidFill>
+                  <a:srgbClr val="0071F6"/>
+                </a:solidFill>
+                <a:latin typeface="Lexend" panose="020B0604020202020204"/>
                 <a:cs typeface="Calibri" panose="020F0502020204030204" pitchFamily="34" charset="0"/>
               </a:rPr>
               <a:t>Specifying Dependencies:</a:t>
@@ -8110,6 +8643,7 @@
                   <a:srgbClr val="000000"/>
                 </a:solidFill>
                 <a:effectLst/>
+                <a:latin typeface="Lexend Light"/>
               </a:rPr>
               <a:t>If </a:t>
             </a:r>
@@ -8119,6 +8653,7 @@
                   <a:srgbClr val="000000"/>
                 </a:solidFill>
                 <a:effectLst/>
+                <a:latin typeface="Lexend Light"/>
               </a:rPr>
               <a:t>PyInstaller</a:t>
             </a:r>
@@ -8128,6 +8663,7 @@
                   <a:srgbClr val="000000"/>
                 </a:solidFill>
                 <a:effectLst/>
+                <a:latin typeface="Lexend Light"/>
               </a:rPr>
               <a:t> fails to detect certain dependencies, you can manually specify them using the "--hidden-import" flag. For example, to include the "requests" package, modify the packaging command as follows:</a:t>
             </a:r>
